--- a/blockchain_introduction_development.pptx
+++ b/blockchain_introduction_development.pptx
@@ -5,7 +5,7 @@
     <p:sldMasterId id="2147483749" r:id="rId1"/>
   </p:sldMasterIdLst>
   <p:notesMasterIdLst>
-    <p:notesMasterId r:id="rId20"/>
+    <p:notesMasterId r:id="rId21"/>
   </p:notesMasterIdLst>
   <p:sldIdLst>
     <p:sldId id="256" r:id="rId2"/>
@@ -19,13 +19,14 @@
     <p:sldId id="264" r:id="rId10"/>
     <p:sldId id="273" r:id="rId11"/>
     <p:sldId id="274" r:id="rId12"/>
-    <p:sldId id="272" r:id="rId13"/>
-    <p:sldId id="265" r:id="rId14"/>
-    <p:sldId id="268" r:id="rId15"/>
-    <p:sldId id="267" r:id="rId16"/>
-    <p:sldId id="269" r:id="rId17"/>
-    <p:sldId id="270" r:id="rId18"/>
-    <p:sldId id="271" r:id="rId19"/>
+    <p:sldId id="271" r:id="rId13"/>
+    <p:sldId id="275" r:id="rId14"/>
+    <p:sldId id="272" r:id="rId15"/>
+    <p:sldId id="265" r:id="rId16"/>
+    <p:sldId id="268" r:id="rId17"/>
+    <p:sldId id="267" r:id="rId18"/>
+    <p:sldId id="269" r:id="rId19"/>
+    <p:sldId id="270" r:id="rId20"/>
   </p:sldIdLst>
   <p:sldSz cx="12192000" cy="6858000"/>
   <p:notesSz cx="6858000" cy="9144000"/>
@@ -214,7 +215,7 @@
           <a:p>
             <a:fld id="{BC1C45A7-1742-4C6F-98A7-6E388190CB78}" type="datetimeFigureOut">
               <a:rPr lang="en-US" smtClean="0"/>
-              <a:t>12/17/2021</a:t>
+              <a:t>12/20/2021</a:t>
             </a:fld>
             <a:endParaRPr lang="en-US"/>
           </a:p>
@@ -1169,242 +1170,17 @@
               <a:buChar char="•"/>
             </a:pPr>
             <a:r>
-              <a:rPr lang="en-US" dirty="0" err="1"/>
-              <a:t>Uniswap</a:t>
-            </a:r>
-            <a:r>
-              <a:rPr lang="en-US" dirty="0"/>
-              <a:t> </a:t>
-            </a:r>
-            <a:r>
-              <a:rPr lang="en-US" dirty="0" err="1"/>
-              <a:t>là</a:t>
-            </a:r>
-            <a:r>
-              <a:rPr lang="en-US" dirty="0"/>
-              <a:t> </a:t>
-            </a:r>
-            <a:r>
-              <a:rPr lang="en-US" dirty="0" err="1"/>
-              <a:t>một</a:t>
-            </a:r>
-            <a:r>
-              <a:rPr lang="en-US" dirty="0"/>
-              <a:t> </a:t>
-            </a:r>
-            <a:r>
-              <a:rPr lang="en-US" dirty="0" err="1"/>
-              <a:t>sàn</a:t>
-            </a:r>
-            <a:r>
-              <a:rPr lang="en-US" dirty="0"/>
-              <a:t> </a:t>
-            </a:r>
-            <a:r>
-              <a:rPr lang="en-US" dirty="0" err="1"/>
-              <a:t>giao</a:t>
-            </a:r>
-            <a:r>
-              <a:rPr lang="en-US" dirty="0"/>
-              <a:t> </a:t>
-            </a:r>
-            <a:r>
-              <a:rPr lang="en-US" dirty="0" err="1"/>
-              <a:t>dịch</a:t>
-            </a:r>
-            <a:r>
-              <a:rPr lang="en-US" dirty="0"/>
-              <a:t> </a:t>
-            </a:r>
-            <a:r>
-              <a:rPr lang="en-US" dirty="0" err="1"/>
-              <a:t>tiền</a:t>
-            </a:r>
-            <a:r>
-              <a:rPr lang="en-US" dirty="0"/>
-              <a:t> </a:t>
-            </a:r>
-            <a:r>
-              <a:rPr lang="en-US" dirty="0" err="1"/>
-              <a:t>số</a:t>
-            </a:r>
-            <a:r>
-              <a:rPr lang="en-US" dirty="0"/>
-              <a:t> phi </a:t>
-            </a:r>
-            <a:r>
-              <a:rPr lang="en-US" dirty="0" err="1"/>
-              <a:t>tập</a:t>
-            </a:r>
-            <a:r>
-              <a:rPr lang="en-US" dirty="0"/>
-              <a:t> </a:t>
-            </a:r>
-            <a:r>
-              <a:rPr lang="en-US" dirty="0" err="1"/>
-              <a:t>trung</a:t>
-            </a:r>
-            <a:r>
-              <a:rPr lang="en-US" dirty="0"/>
-              <a:t>: </a:t>
-            </a:r>
-            <a:r>
-              <a:rPr lang="en-US" dirty="0" err="1"/>
-              <a:t>các</a:t>
-            </a:r>
-            <a:r>
-              <a:rPr lang="en-US" dirty="0"/>
-              <a:t> </a:t>
-            </a:r>
-            <a:r>
-              <a:rPr lang="en-US" dirty="0" err="1"/>
-              <a:t>giao</a:t>
-            </a:r>
-            <a:r>
-              <a:rPr lang="en-US" dirty="0"/>
-              <a:t> </a:t>
-            </a:r>
-            <a:r>
-              <a:rPr lang="en-US" dirty="0" err="1"/>
-              <a:t>dịch</a:t>
-            </a:r>
-            <a:r>
-              <a:rPr lang="en-US" dirty="0"/>
-              <a:t> </a:t>
-            </a:r>
-            <a:r>
-              <a:rPr lang="en-US" dirty="0" err="1"/>
-              <a:t>được</a:t>
-            </a:r>
-            <a:r>
-              <a:rPr lang="en-US" dirty="0"/>
-              <a:t> </a:t>
-            </a:r>
-            <a:r>
-              <a:rPr lang="en-US" dirty="0" err="1"/>
-              <a:t>thực</a:t>
-            </a:r>
-            <a:r>
-              <a:rPr lang="en-US" dirty="0"/>
-              <a:t> </a:t>
-            </a:r>
-            <a:r>
-              <a:rPr lang="en-US" dirty="0" err="1"/>
-              <a:t>hiện</a:t>
-            </a:r>
-            <a:r>
-              <a:rPr lang="en-US" dirty="0"/>
-              <a:t> </a:t>
-            </a:r>
-            <a:r>
-              <a:rPr lang="en-US" dirty="0" err="1"/>
-              <a:t>tự</a:t>
-            </a:r>
-            <a:r>
-              <a:rPr lang="en-US" dirty="0"/>
-              <a:t> </a:t>
-            </a:r>
-            <a:r>
-              <a:rPr lang="en-US" dirty="0" err="1"/>
-              <a:t>động</a:t>
-            </a:r>
-            <a:r>
-              <a:rPr lang="en-US" dirty="0"/>
-              <a:t> </a:t>
-            </a:r>
-            <a:r>
-              <a:rPr lang="en-US" dirty="0" err="1"/>
-              <a:t>không</a:t>
-            </a:r>
-            <a:r>
-              <a:rPr lang="en-US" dirty="0"/>
-              <a:t> qua </a:t>
-            </a:r>
-            <a:r>
-              <a:rPr lang="en-US" dirty="0" err="1"/>
-              <a:t>một</a:t>
-            </a:r>
-            <a:r>
-              <a:rPr lang="en-US" dirty="0"/>
-              <a:t> </a:t>
-            </a:r>
-            <a:r>
-              <a:rPr lang="en-US" dirty="0" err="1"/>
-              <a:t>bên</a:t>
-            </a:r>
-            <a:r>
-              <a:rPr lang="en-US" dirty="0"/>
-              <a:t> </a:t>
-            </a:r>
-            <a:r>
-              <a:rPr lang="en-US" dirty="0" err="1"/>
-              <a:t>thứ</a:t>
-            </a:r>
-            <a:r>
-              <a:rPr lang="en-US" dirty="0"/>
-              <a:t> </a:t>
-            </a:r>
-            <a:r>
-              <a:rPr lang="en-US" dirty="0" err="1"/>
-              <a:t>ba</a:t>
-            </a:r>
-            <a:r>
-              <a:rPr lang="en-US" dirty="0"/>
-              <a:t>, </a:t>
-            </a:r>
-            <a:r>
-              <a:rPr lang="en-US" dirty="0" err="1"/>
-              <a:t>không</a:t>
-            </a:r>
-            <a:r>
-              <a:rPr lang="en-US" dirty="0"/>
-              <a:t> </a:t>
-            </a:r>
-            <a:r>
-              <a:rPr lang="en-US" dirty="0" err="1"/>
-              <a:t>có</a:t>
-            </a:r>
-            <a:r>
-              <a:rPr lang="en-US" dirty="0"/>
-              <a:t> </a:t>
-            </a:r>
-            <a:r>
-              <a:rPr lang="en-US" dirty="0" err="1"/>
-              <a:t>người</a:t>
-            </a:r>
-            <a:r>
-              <a:rPr lang="en-US" dirty="0"/>
-              <a:t> </a:t>
-            </a:r>
-            <a:r>
-              <a:rPr lang="en-US" dirty="0" err="1"/>
-              <a:t>quản</a:t>
-            </a:r>
-            <a:r>
-              <a:rPr lang="en-US" dirty="0"/>
-              <a:t> </a:t>
-            </a:r>
-            <a:r>
-              <a:rPr lang="en-US" dirty="0" err="1"/>
-              <a:t>lý</a:t>
-            </a:r>
-            <a:r>
-              <a:rPr lang="en-US" dirty="0"/>
-              <a:t> hay </a:t>
-            </a:r>
-            <a:r>
-              <a:rPr lang="en-US" dirty="0" err="1"/>
-              <a:t>điều</a:t>
-            </a:r>
-            <a:r>
-              <a:rPr lang="en-US" dirty="0"/>
-              <a:t> </a:t>
-            </a:r>
-            <a:r>
-              <a:rPr lang="en-US" dirty="0" err="1"/>
-              <a:t>khiển</a:t>
-            </a:r>
-            <a:endParaRPr lang="en-US" dirty="0"/>
+              <a:rPr lang="en-US" baseline="0" dirty="0" smtClean="0"/>
+              <a:t>Just like contract in the real world, except it is </a:t>
+            </a:r>
+            <a:r>
+              <a:rPr lang="en-US" baseline="0" dirty="0" err="1" smtClean="0"/>
+              <a:t>compeletely</a:t>
+            </a:r>
+            <a:r>
+              <a:rPr lang="en-US" baseline="0" dirty="0" smtClean="0"/>
+              <a:t> digital contract</a:t>
+            </a:r>
           </a:p>
           <a:p>
             <a:pPr marL="171450" indent="-171450">
@@ -1412,206 +1188,22 @@
               <a:buChar char="•"/>
             </a:pPr>
             <a:r>
-              <a:rPr lang="en-US" dirty="0"/>
-              <a:t>Cho </a:t>
-            </a:r>
-            <a:r>
-              <a:rPr lang="en-US" dirty="0" err="1"/>
-              <a:t>phép</a:t>
-            </a:r>
-            <a:r>
-              <a:rPr lang="en-US" dirty="0"/>
-              <a:t> </a:t>
-            </a:r>
-            <a:r>
-              <a:rPr lang="en-US" dirty="0" err="1"/>
-              <a:t>trao</a:t>
-            </a:r>
-            <a:r>
-              <a:rPr lang="en-US" dirty="0"/>
-              <a:t> </a:t>
-            </a:r>
-            <a:r>
-              <a:rPr lang="en-US" dirty="0" err="1"/>
-              <a:t>đổi</a:t>
-            </a:r>
-            <a:r>
-              <a:rPr lang="en-US" dirty="0"/>
-              <a:t> </a:t>
-            </a:r>
-            <a:r>
-              <a:rPr lang="en-US" dirty="0" err="1"/>
-              <a:t>giữa</a:t>
-            </a:r>
-            <a:r>
-              <a:rPr lang="en-US" dirty="0"/>
-              <a:t> </a:t>
-            </a:r>
-            <a:r>
-              <a:rPr lang="en-US" dirty="0" err="1"/>
-              <a:t>các</a:t>
-            </a:r>
-            <a:r>
-              <a:rPr lang="en-US" dirty="0"/>
-              <a:t> </a:t>
-            </a:r>
-            <a:r>
-              <a:rPr lang="en-US" dirty="0" err="1"/>
-              <a:t>đồng</a:t>
-            </a:r>
-            <a:r>
-              <a:rPr lang="en-US" dirty="0"/>
-              <a:t> </a:t>
-            </a:r>
-            <a:r>
-              <a:rPr lang="en-US" dirty="0" err="1"/>
-              <a:t>tiền</a:t>
-            </a:r>
-            <a:r>
-              <a:rPr lang="en-US" dirty="0"/>
-              <a:t> </a:t>
-            </a:r>
-            <a:r>
-              <a:rPr lang="en-US" dirty="0" err="1"/>
-              <a:t>số</a:t>
-            </a:r>
-            <a:r>
-              <a:rPr lang="en-US" dirty="0"/>
-              <a:t> </a:t>
-            </a:r>
-            <a:r>
-              <a:rPr lang="en-US" dirty="0" err="1"/>
-              <a:t>với</a:t>
-            </a:r>
-            <a:r>
-              <a:rPr lang="en-US" dirty="0"/>
-              <a:t> </a:t>
-            </a:r>
-            <a:r>
-              <a:rPr lang="en-US" dirty="0" err="1"/>
-              <a:t>nhau</a:t>
-            </a:r>
-            <a:r>
-              <a:rPr lang="en-US" dirty="0"/>
-              <a:t>: </a:t>
-            </a:r>
-            <a:r>
-              <a:rPr lang="en-US" dirty="0" err="1"/>
-              <a:t>đổi</a:t>
-            </a:r>
-            <a:r>
-              <a:rPr lang="en-US" dirty="0"/>
-              <a:t> </a:t>
-            </a:r>
-            <a:r>
-              <a:rPr lang="en-US" dirty="0" err="1"/>
-              <a:t>từ</a:t>
-            </a:r>
-            <a:r>
-              <a:rPr lang="en-US" dirty="0"/>
-              <a:t> ether sang </a:t>
-            </a:r>
-            <a:r>
-              <a:rPr lang="en-US" dirty="0" err="1"/>
-              <a:t>một</a:t>
-            </a:r>
-            <a:r>
-              <a:rPr lang="en-US" dirty="0"/>
-              <a:t> </a:t>
-            </a:r>
-            <a:r>
-              <a:rPr lang="en-US" dirty="0" err="1"/>
-              <a:t>tiền</a:t>
-            </a:r>
-            <a:r>
-              <a:rPr lang="en-US" dirty="0"/>
-              <a:t> </a:t>
-            </a:r>
-            <a:r>
-              <a:rPr lang="en-US" dirty="0" err="1"/>
-              <a:t>số</a:t>
-            </a:r>
-            <a:r>
-              <a:rPr lang="en-US" dirty="0"/>
-              <a:t> (token) </a:t>
-            </a:r>
-            <a:r>
-              <a:rPr lang="en-US" dirty="0" err="1"/>
-              <a:t>khác</a:t>
-            </a:r>
-            <a:r>
-              <a:rPr lang="en-US" dirty="0"/>
-              <a:t>, </a:t>
-            </a:r>
-            <a:r>
-              <a:rPr lang="en-US" dirty="0" err="1"/>
-              <a:t>hoặc</a:t>
-            </a:r>
-            <a:r>
-              <a:rPr lang="en-US" dirty="0"/>
-              <a:t> </a:t>
-            </a:r>
-            <a:r>
-              <a:rPr lang="en-US" dirty="0" err="1"/>
-              <a:t>đổi</a:t>
-            </a:r>
-            <a:r>
-              <a:rPr lang="en-US" dirty="0"/>
-              <a:t> </a:t>
-            </a:r>
-            <a:r>
-              <a:rPr lang="en-US" dirty="0" err="1"/>
-              <a:t>giữa</a:t>
-            </a:r>
-            <a:r>
-              <a:rPr lang="en-US" dirty="0"/>
-              <a:t> </a:t>
-            </a:r>
-            <a:r>
-              <a:rPr lang="en-US" dirty="0" err="1"/>
-              <a:t>hai</a:t>
-            </a:r>
-            <a:r>
-              <a:rPr lang="en-US" dirty="0"/>
-              <a:t> </a:t>
-            </a:r>
-            <a:r>
-              <a:rPr lang="en-US" dirty="0" err="1"/>
-              <a:t>đồng</a:t>
-            </a:r>
-            <a:r>
-              <a:rPr lang="en-US" dirty="0"/>
-              <a:t> </a:t>
-            </a:r>
-            <a:r>
-              <a:rPr lang="en-US" dirty="0" err="1"/>
-              <a:t>tiền</a:t>
-            </a:r>
-            <a:r>
-              <a:rPr lang="en-US" dirty="0"/>
-              <a:t> </a:t>
-            </a:r>
-            <a:r>
-              <a:rPr lang="en-US" dirty="0" err="1"/>
-              <a:t>số</a:t>
-            </a:r>
-            <a:r>
-              <a:rPr lang="en-US" dirty="0"/>
-              <a:t> </a:t>
-            </a:r>
-            <a:r>
-              <a:rPr lang="en-US" dirty="0" err="1"/>
-              <a:t>bất</a:t>
-            </a:r>
-            <a:r>
-              <a:rPr lang="en-US" dirty="0"/>
-              <a:t> </a:t>
-            </a:r>
-            <a:r>
-              <a:rPr lang="en-US" dirty="0" err="1"/>
-              <a:t>kỳ</a:t>
-            </a:r>
-            <a:endParaRPr lang="en-US" dirty="0"/>
+              <a:rPr lang="en-US" baseline="0" dirty="0" smtClean="0"/>
+              <a:t>Can be programmed using Solidity on </a:t>
+            </a:r>
+            <a:r>
+              <a:rPr lang="en-US" baseline="0" dirty="0" err="1" smtClean="0"/>
+              <a:t>Ethereum</a:t>
+            </a:r>
+            <a:r>
+              <a:rPr lang="en-US" baseline="0" dirty="0" smtClean="0"/>
+              <a:t> </a:t>
+            </a:r>
+            <a:r>
+              <a:rPr lang="en-US" baseline="0" dirty="0" err="1" smtClean="0"/>
+              <a:t>blockchain</a:t>
+            </a:r>
+            <a:endParaRPr lang="en-US" baseline="0" dirty="0" smtClean="0"/>
           </a:p>
         </p:txBody>
       </p:sp>
@@ -1632,7 +1224,7 @@
           <a:p>
             <a:fld id="{F8822AE0-8962-4E8A-8B5F-B233BC2E8ECB}" type="slidenum">
               <a:rPr lang="en-US" smtClean="0"/>
-              <a:t>13</a:t>
+              <a:t>14</a:t>
             </a:fld>
             <a:endParaRPr lang="en-US"/>
           </a:p>
@@ -1641,7 +1233,7 @@
     </p:spTree>
     <p:extLst>
       <p:ext uri="{BB962C8B-B14F-4D97-AF65-F5344CB8AC3E}">
-        <p14:creationId xmlns:p14="http://schemas.microsoft.com/office/powerpoint/2010/main" val="1549020583"/>
+        <p14:creationId xmlns:p14="http://schemas.microsoft.com/office/powerpoint/2010/main" val="1114130791"/>
       </p:ext>
     </p:extLst>
   </p:cSld>
@@ -1700,8 +1292,12 @@
               <a:buChar char="•"/>
             </a:pPr>
             <a:r>
-              <a:rPr lang="en-US" dirty="0"/>
-              <a:t>Market maker: </a:t>
+              <a:rPr lang="en-US" dirty="0" err="1"/>
+              <a:t>Uniswap</a:t>
+            </a:r>
+            <a:r>
+              <a:rPr lang="en-US" dirty="0"/>
+              <a:t> </a:t>
             </a:r>
             <a:r>
               <a:rPr lang="en-US" dirty="0" err="1"/>
@@ -1713,7 +1309,95 @@
             </a:r>
             <a:r>
               <a:rPr lang="en-US" dirty="0" err="1"/>
+              <a:t>một</a:t>
+            </a:r>
+            <a:r>
+              <a:rPr lang="en-US" dirty="0"/>
+              <a:t> </a:t>
+            </a:r>
+            <a:r>
+              <a:rPr lang="en-US" dirty="0" err="1"/>
+              <a:t>sàn</a:t>
+            </a:r>
+            <a:r>
+              <a:rPr lang="en-US" dirty="0"/>
+              <a:t> </a:t>
+            </a:r>
+            <a:r>
+              <a:rPr lang="en-US" dirty="0" err="1"/>
+              <a:t>giao</a:t>
+            </a:r>
+            <a:r>
+              <a:rPr lang="en-US" dirty="0"/>
+              <a:t> </a:t>
+            </a:r>
+            <a:r>
+              <a:rPr lang="en-US" dirty="0" err="1"/>
+              <a:t>dịch</a:t>
+            </a:r>
+            <a:r>
+              <a:rPr lang="en-US" dirty="0"/>
+              <a:t> </a:t>
+            </a:r>
+            <a:r>
+              <a:rPr lang="en-US" dirty="0" err="1"/>
+              <a:t>tiền</a:t>
+            </a:r>
+            <a:r>
+              <a:rPr lang="en-US" dirty="0"/>
+              <a:t> </a:t>
+            </a:r>
+            <a:r>
+              <a:rPr lang="en-US" dirty="0" err="1"/>
+              <a:t>số</a:t>
+            </a:r>
+            <a:r>
+              <a:rPr lang="en-US" dirty="0"/>
+              <a:t> phi </a:t>
+            </a:r>
+            <a:r>
+              <a:rPr lang="en-US" dirty="0" err="1"/>
+              <a:t>tập</a:t>
+            </a:r>
+            <a:r>
+              <a:rPr lang="en-US" dirty="0"/>
+              <a:t> </a:t>
+            </a:r>
+            <a:r>
+              <a:rPr lang="en-US" dirty="0" err="1"/>
+              <a:t>trung</a:t>
+            </a:r>
+            <a:r>
+              <a:rPr lang="en-US" dirty="0"/>
+              <a:t>: </a:t>
+            </a:r>
+            <a:r>
+              <a:rPr lang="en-US" dirty="0" err="1"/>
               <a:t>các</a:t>
+            </a:r>
+            <a:r>
+              <a:rPr lang="en-US" dirty="0"/>
+              <a:t> </a:t>
+            </a:r>
+            <a:r>
+              <a:rPr lang="en-US" dirty="0" err="1"/>
+              <a:t>giao</a:t>
+            </a:r>
+            <a:r>
+              <a:rPr lang="en-US" dirty="0"/>
+              <a:t> </a:t>
+            </a:r>
+            <a:r>
+              <a:rPr lang="en-US" dirty="0" err="1"/>
+              <a:t>dịch</a:t>
+            </a:r>
+            <a:r>
+              <a:rPr lang="en-US" dirty="0"/>
+              <a:t> </a:t>
+            </a:r>
+            <a:r>
+              <a:rPr lang="en-US" dirty="0" err="1"/>
+              <a:t>được</a:t>
             </a:r>
             <a:r>
               <a:rPr lang="en-US" dirty="0"/>
@@ -1729,7 +1413,7 @@
             </a:r>
             <a:r>
               <a:rPr lang="en-US" dirty="0" err="1"/>
-              <a:t>thể</a:t>
+              <a:t>hiện</a:t>
             </a:r>
             <a:r>
               <a:rPr lang="en-US" dirty="0"/>
@@ -1737,7 +1421,7 @@
             </a:r>
             <a:r>
               <a:rPr lang="en-US" dirty="0" err="1"/>
-              <a:t>cung</a:t>
+              <a:t>tự</a:t>
             </a:r>
             <a:r>
               <a:rPr lang="en-US" dirty="0"/>
@@ -1745,7 +1429,7 @@
             </a:r>
             <a:r>
               <a:rPr lang="en-US" dirty="0" err="1"/>
-              <a:t>cấp</a:t>
+              <a:t>động</a:t>
             </a:r>
             <a:r>
               <a:rPr lang="en-US" dirty="0"/>
@@ -1753,15 +1437,15 @@
             </a:r>
             <a:r>
               <a:rPr lang="en-US" dirty="0" err="1"/>
-              <a:t>các</a:t>
-            </a:r>
-            <a:r>
-              <a:rPr lang="en-US" dirty="0"/>
-              <a:t> </a:t>
+              <a:t>không</a:t>
+            </a:r>
+            <a:r>
+              <a:rPr lang="en-US" dirty="0"/>
+              <a:t> qua </a:t>
             </a:r>
             <a:r>
               <a:rPr lang="en-US" dirty="0" err="1"/>
-              <a:t>tài</a:t>
+              <a:t>một</a:t>
             </a:r>
             <a:r>
               <a:rPr lang="en-US" dirty="0"/>
@@ -1769,15 +1453,15 @@
             </a:r>
             <a:r>
               <a:rPr lang="en-US" dirty="0" err="1"/>
-              <a:t>sản</a:t>
-            </a:r>
-            <a:r>
-              <a:rPr lang="en-US" dirty="0"/>
-              <a:t> (</a:t>
+              <a:t>bên</a:t>
+            </a:r>
+            <a:r>
+              <a:rPr lang="en-US" dirty="0"/>
+              <a:t> </a:t>
             </a:r>
             <a:r>
               <a:rPr lang="en-US" dirty="0" err="1"/>
-              <a:t>thanh</a:t>
+              <a:t>thứ</a:t>
             </a:r>
             <a:r>
               <a:rPr lang="en-US" dirty="0"/>
@@ -1785,15 +1469,15 @@
             </a:r>
             <a:r>
               <a:rPr lang="en-US" dirty="0" err="1"/>
-              <a:t>khoản</a:t>
-            </a:r>
-            <a:r>
-              <a:rPr lang="en-US" dirty="0"/>
-              <a:t>) </a:t>
+              <a:t>ba</a:t>
+            </a:r>
+            <a:r>
+              <a:rPr lang="en-US" dirty="0"/>
+              <a:t>, </a:t>
             </a:r>
             <a:r>
               <a:rPr lang="en-US" dirty="0" err="1"/>
-              <a:t>để</a:t>
+              <a:t>không</a:t>
             </a:r>
             <a:r>
               <a:rPr lang="en-US" dirty="0"/>
@@ -1801,7 +1485,7 @@
             </a:r>
             <a:r>
               <a:rPr lang="en-US" dirty="0" err="1"/>
-              <a:t>giao</a:t>
+              <a:t>có</a:t>
             </a:r>
             <a:r>
               <a:rPr lang="en-US" dirty="0"/>
@@ -1809,7 +1493,7 @@
             </a:r>
             <a:r>
               <a:rPr lang="en-US" dirty="0" err="1"/>
-              <a:t>dịch</a:t>
+              <a:t>người</a:t>
             </a:r>
             <a:r>
               <a:rPr lang="en-US" dirty="0"/>
@@ -1817,7 +1501,7 @@
             </a:r>
             <a:r>
               <a:rPr lang="en-US" dirty="0" err="1"/>
-              <a:t>trên</a:t>
+              <a:t>quản</a:t>
             </a:r>
             <a:r>
               <a:rPr lang="en-US" dirty="0"/>
@@ -1825,15 +1509,23 @@
             </a:r>
             <a:r>
               <a:rPr lang="en-US" dirty="0" err="1"/>
-              <a:t>thị</a:t>
-            </a:r>
-            <a:r>
-              <a:rPr lang="en-US" dirty="0"/>
-              <a:t> </a:t>
+              <a:t>lý</a:t>
+            </a:r>
+            <a:r>
+              <a:rPr lang="en-US" dirty="0"/>
+              <a:t> hay </a:t>
             </a:r>
             <a:r>
               <a:rPr lang="en-US" dirty="0" err="1"/>
-              <a:t>trường</a:t>
+              <a:t>điều</a:t>
+            </a:r>
+            <a:r>
+              <a:rPr lang="en-US" dirty="0"/>
+              <a:t> </a:t>
+            </a:r>
+            <a:r>
+              <a:rPr lang="en-US" dirty="0" err="1"/>
+              <a:t>khiển</a:t>
             </a:r>
             <a:endParaRPr lang="en-US" dirty="0"/>
           </a:p>
@@ -1843,24 +1535,12 @@
               <a:buChar char="•"/>
             </a:pPr>
             <a:r>
+              <a:rPr lang="en-US" dirty="0"/>
+              <a:t>Cho </a:t>
+            </a:r>
+            <a:r>
               <a:rPr lang="en-US" dirty="0" err="1"/>
-              <a:t>Ví</a:t>
-            </a:r>
-            <a:r>
-              <a:rPr lang="en-US" dirty="0"/>
-              <a:t> </a:t>
-            </a:r>
-            <a:r>
-              <a:rPr lang="en-US" dirty="0" err="1"/>
-              <a:t>dụ</a:t>
-            </a:r>
-            <a:r>
-              <a:rPr lang="en-US" dirty="0"/>
-              <a:t> </a:t>
-            </a:r>
-            <a:r>
-              <a:rPr lang="en-US" dirty="0" err="1"/>
-              <a:t>để</a:t>
+              <a:t>phép</a:t>
             </a:r>
             <a:r>
               <a:rPr lang="en-US" dirty="0"/>
@@ -1892,15 +1572,7 @@
             </a:r>
             <a:r>
               <a:rPr lang="en-US" dirty="0" err="1"/>
-              <a:t>đồng</a:t>
-            </a:r>
-            <a:r>
-              <a:rPr lang="en-US" dirty="0"/>
-              <a:t> Ether </a:t>
-            </a:r>
-            <a:r>
-              <a:rPr lang="en-US" dirty="0" err="1"/>
-              <a:t>và</a:t>
+              <a:t>các</a:t>
             </a:r>
             <a:r>
               <a:rPr lang="en-US" dirty="0"/>
@@ -1912,11 +1584,11 @@
             </a:r>
             <a:r>
               <a:rPr lang="en-US" dirty="0"/>
-              <a:t> Bitcoin </a:t>
+              <a:t> </a:t>
             </a:r>
             <a:r>
               <a:rPr lang="en-US" dirty="0" err="1"/>
-              <a:t>trên</a:t>
+              <a:t>tiền</a:t>
             </a:r>
             <a:r>
               <a:rPr lang="en-US" dirty="0"/>
@@ -1924,15 +1596,15 @@
             </a:r>
             <a:r>
               <a:rPr lang="en-US" dirty="0" err="1"/>
-              <a:t>uniswap</a:t>
-            </a:r>
-            <a:r>
-              <a:rPr lang="en-US" dirty="0"/>
-              <a:t>, ta </a:t>
+              <a:t>số</a:t>
+            </a:r>
+            <a:r>
+              <a:rPr lang="en-US" dirty="0"/>
+              <a:t> </a:t>
             </a:r>
             <a:r>
               <a:rPr lang="en-US" dirty="0" err="1"/>
-              <a:t>phải</a:t>
+              <a:t>với</a:t>
             </a:r>
             <a:r>
               <a:rPr lang="en-US" dirty="0"/>
@@ -1940,15 +1612,15 @@
             </a:r>
             <a:r>
               <a:rPr lang="en-US" dirty="0" err="1"/>
-              <a:t>có</a:t>
-            </a:r>
-            <a:r>
-              <a:rPr lang="en-US" dirty="0"/>
-              <a:t> </a:t>
+              <a:t>nhau</a:t>
+            </a:r>
+            <a:r>
+              <a:rPr lang="en-US" dirty="0"/>
+              <a:t>: </a:t>
             </a:r>
             <a:r>
               <a:rPr lang="en-US" dirty="0" err="1"/>
-              <a:t>người</a:t>
+              <a:t>đổi</a:t>
             </a:r>
             <a:r>
               <a:rPr lang="en-US" dirty="0"/>
@@ -1956,19 +1628,11 @@
             </a:r>
             <a:r>
               <a:rPr lang="en-US" dirty="0" err="1"/>
-              <a:t>cung</a:t>
-            </a:r>
-            <a:r>
-              <a:rPr lang="en-US" dirty="0"/>
-              <a:t> </a:t>
-            </a:r>
-            <a:r>
-              <a:rPr lang="en-US" dirty="0" err="1"/>
-              <a:t>cấp</a:t>
-            </a:r>
-            <a:r>
-              <a:rPr lang="en-US" dirty="0"/>
-              <a:t> </a:t>
+              <a:t>từ</a:t>
+            </a:r>
+            <a:r>
+              <a:rPr lang="en-US" dirty="0"/>
+              <a:t> ether sang </a:t>
             </a:r>
             <a:r>
               <a:rPr lang="en-US" dirty="0" err="1"/>
@@ -1980,27 +1644,59 @@
             </a:r>
             <a:r>
               <a:rPr lang="en-US" dirty="0" err="1"/>
+              <a:t>tiền</a:t>
+            </a:r>
+            <a:r>
+              <a:rPr lang="en-US" dirty="0"/>
+              <a:t> </a:t>
+            </a:r>
+            <a:r>
+              <a:rPr lang="en-US" dirty="0" err="1"/>
               <a:t>số</a:t>
             </a:r>
             <a:r>
               <a:rPr lang="en-US" dirty="0"/>
-              <a:t> </a:t>
+              <a:t> (token) </a:t>
             </a:r>
             <a:r>
               <a:rPr lang="en-US" dirty="0" err="1"/>
-              <a:t>lượng</a:t>
-            </a:r>
-            <a:r>
-              <a:rPr lang="en-US" dirty="0"/>
-              <a:t> </a:t>
+              <a:t>khác</a:t>
+            </a:r>
+            <a:r>
+              <a:rPr lang="en-US" dirty="0"/>
+              <a:t>, </a:t>
             </a:r>
             <a:r>
               <a:rPr lang="en-US" dirty="0" err="1"/>
-              <a:t>của</a:t>
-            </a:r>
-            <a:r>
-              <a:rPr lang="en-US" dirty="0"/>
-              <a:t> 2 </a:t>
+              <a:t>hoặc</a:t>
+            </a:r>
+            <a:r>
+              <a:rPr lang="en-US" dirty="0"/>
+              <a:t> </a:t>
+            </a:r>
+            <a:r>
+              <a:rPr lang="en-US" dirty="0" err="1"/>
+              <a:t>đổi</a:t>
+            </a:r>
+            <a:r>
+              <a:rPr lang="en-US" dirty="0"/>
+              <a:t> </a:t>
+            </a:r>
+            <a:r>
+              <a:rPr lang="en-US" dirty="0" err="1"/>
+              <a:t>giữa</a:t>
+            </a:r>
+            <a:r>
+              <a:rPr lang="en-US" dirty="0"/>
+              <a:t> </a:t>
+            </a:r>
+            <a:r>
+              <a:rPr lang="en-US" dirty="0" err="1"/>
+              <a:t>hai</a:t>
+            </a:r>
+            <a:r>
+              <a:rPr lang="en-US" dirty="0"/>
+              <a:t> </a:t>
             </a:r>
             <a:r>
               <a:rPr lang="en-US" dirty="0" err="1"/>
@@ -2020,15 +1716,15 @@
             </a:r>
             <a:r>
               <a:rPr lang="en-US" dirty="0" err="1"/>
-              <a:t>này</a:t>
-            </a:r>
-            <a:r>
-              <a:rPr lang="en-US" dirty="0"/>
-              <a:t> ra </a:t>
+              <a:t>số</a:t>
+            </a:r>
+            <a:r>
+              <a:rPr lang="en-US" dirty="0"/>
+              <a:t> </a:t>
             </a:r>
             <a:r>
               <a:rPr lang="en-US" dirty="0" err="1"/>
-              <a:t>thị</a:t>
+              <a:t>bất</a:t>
             </a:r>
             <a:r>
               <a:rPr lang="en-US" dirty="0"/>
@@ -2036,151 +1732,9 @@
             </a:r>
             <a:r>
               <a:rPr lang="en-US" dirty="0" err="1"/>
-              <a:t>trường</a:t>
-            </a:r>
-            <a:r>
-              <a:rPr lang="en-US" dirty="0"/>
-              <a:t> </a:t>
-            </a:r>
-            <a:r>
-              <a:rPr lang="en-US" dirty="0" err="1"/>
-              <a:t>để</a:t>
-            </a:r>
-            <a:r>
-              <a:rPr lang="en-US" dirty="0"/>
-              <a:t> </a:t>
-            </a:r>
-            <a:r>
-              <a:rPr lang="en-US" dirty="0" err="1"/>
-              <a:t>cho</a:t>
-            </a:r>
-            <a:r>
-              <a:rPr lang="en-US" dirty="0"/>
-              <a:t> </a:t>
-            </a:r>
-            <a:r>
-              <a:rPr lang="en-US" dirty="0" err="1"/>
-              <a:t>phép</a:t>
-            </a:r>
-            <a:r>
-              <a:rPr lang="en-US" dirty="0"/>
-              <a:t> </a:t>
-            </a:r>
-            <a:r>
-              <a:rPr lang="en-US" dirty="0" err="1"/>
-              <a:t>người</a:t>
-            </a:r>
-            <a:r>
-              <a:rPr lang="en-US" dirty="0"/>
-              <a:t> </a:t>
-            </a:r>
-            <a:r>
-              <a:rPr lang="en-US" dirty="0" err="1"/>
-              <a:t>khác</a:t>
-            </a:r>
-            <a:r>
-              <a:rPr lang="en-US" dirty="0"/>
-              <a:t> </a:t>
-            </a:r>
-            <a:r>
-              <a:rPr lang="en-US" dirty="0" err="1"/>
-              <a:t>có</a:t>
-            </a:r>
-            <a:r>
-              <a:rPr lang="en-US" dirty="0"/>
-              <a:t> </a:t>
-            </a:r>
-            <a:r>
-              <a:rPr lang="en-US" dirty="0" err="1"/>
-              <a:t>thể</a:t>
-            </a:r>
-            <a:r>
-              <a:rPr lang="en-US" dirty="0"/>
-              <a:t> </a:t>
-            </a:r>
-            <a:r>
-              <a:rPr lang="en-US" dirty="0" err="1"/>
-              <a:t>trao</a:t>
-            </a:r>
-            <a:r>
-              <a:rPr lang="en-US" dirty="0"/>
-              <a:t> </a:t>
-            </a:r>
-            <a:r>
-              <a:rPr lang="en-US" dirty="0" err="1"/>
-              <a:t>đổi</a:t>
+              <a:t>kỳ</a:t>
             </a:r>
             <a:endParaRPr lang="en-US" dirty="0"/>
-          </a:p>
-          <a:p>
-            <a:pPr marL="171450" indent="-171450">
-              <a:buFont typeface="Arial" panose="020B0604020202020204" pitchFamily="34" charset="0"/>
-              <a:buChar char="•"/>
-            </a:pPr>
-            <a:r>
-              <a:rPr lang="en-US" dirty="0" err="1"/>
-              <a:t>Người</a:t>
-            </a:r>
-            <a:r>
-              <a:rPr lang="en-US" dirty="0"/>
-              <a:t> </a:t>
-            </a:r>
-            <a:r>
-              <a:rPr lang="en-US" dirty="0" err="1"/>
-              <a:t>cung</a:t>
-            </a:r>
-            <a:r>
-              <a:rPr lang="en-US" dirty="0"/>
-              <a:t> </a:t>
-            </a:r>
-            <a:r>
-              <a:rPr lang="en-US" dirty="0" err="1"/>
-              <a:t>cấp</a:t>
-            </a:r>
-            <a:r>
-              <a:rPr lang="en-US" dirty="0"/>
-              <a:t> </a:t>
-            </a:r>
-            <a:r>
-              <a:rPr lang="en-US" dirty="0" err="1"/>
-              <a:t>tiền</a:t>
-            </a:r>
-            <a:r>
-              <a:rPr lang="en-US" dirty="0"/>
-              <a:t> </a:t>
-            </a:r>
-            <a:r>
-              <a:rPr lang="en-US" dirty="0" err="1"/>
-              <a:t>này</a:t>
-            </a:r>
-            <a:r>
-              <a:rPr lang="en-US" dirty="0"/>
-              <a:t> </a:t>
-            </a:r>
-            <a:r>
-              <a:rPr lang="en-US" dirty="0" err="1"/>
-              <a:t>được</a:t>
-            </a:r>
-            <a:r>
-              <a:rPr lang="en-US" dirty="0"/>
-              <a:t> </a:t>
-            </a:r>
-            <a:r>
-              <a:rPr lang="en-US" dirty="0" err="1"/>
-              <a:t>gọi</a:t>
-            </a:r>
-            <a:r>
-              <a:rPr lang="en-US" dirty="0"/>
-              <a:t> </a:t>
-            </a:r>
-            <a:r>
-              <a:rPr lang="en-US" dirty="0" err="1"/>
-              <a:t>là</a:t>
-            </a:r>
-            <a:r>
-              <a:rPr lang="en-US" dirty="0"/>
-              <a:t> market maker</a:t>
-            </a:r>
           </a:p>
         </p:txBody>
       </p:sp>
@@ -2191,7 +1745,7 @@
             <a:spLocks noGrp="1"/>
           </p:cNvSpPr>
           <p:nvPr>
-            <p:ph type="sldNum" sz="quarter" idx="5"/>
+            <p:ph type="sldNum" sz="quarter" idx="10"/>
           </p:nvPr>
         </p:nvSpPr>
         <p:spPr/>
@@ -2201,7 +1755,7 @@
           <a:p>
             <a:fld id="{F8822AE0-8962-4E8A-8B5F-B233BC2E8ECB}" type="slidenum">
               <a:rPr lang="en-US" smtClean="0"/>
-              <a:t>14</a:t>
+              <a:t>15</a:t>
             </a:fld>
             <a:endParaRPr lang="en-US"/>
           </a:p>
@@ -2210,7 +1764,7 @@
     </p:spTree>
     <p:extLst>
       <p:ext uri="{BB962C8B-B14F-4D97-AF65-F5344CB8AC3E}">
-        <p14:creationId xmlns:p14="http://schemas.microsoft.com/office/powerpoint/2010/main" val="2902836152"/>
+        <p14:creationId xmlns:p14="http://schemas.microsoft.com/office/powerpoint/2010/main" val="1549020583"/>
       </p:ext>
     </p:extLst>
   </p:cSld>
@@ -2270,16 +1824,141 @@
             </a:pPr>
             <a:r>
               <a:rPr lang="en-US" dirty="0"/>
-              <a:t>Smart contract: a kind of block in </a:t>
-            </a:r>
-            <a:r>
-              <a:rPr lang="en-US"/>
-              <a:t>Ethereum blockchain </a:t>
-            </a:r>
-            <a:r>
-              <a:rPr lang="en-US" dirty="0"/>
-              <a:t>network</a:t>
-            </a:r>
+              <a:t>Market maker: </a:t>
+            </a:r>
+            <a:r>
+              <a:rPr lang="en-US" dirty="0" err="1"/>
+              <a:t>là</a:t>
+            </a:r>
+            <a:r>
+              <a:rPr lang="en-US" dirty="0"/>
+              <a:t> </a:t>
+            </a:r>
+            <a:r>
+              <a:rPr lang="en-US" dirty="0" err="1"/>
+              <a:t>các</a:t>
+            </a:r>
+            <a:r>
+              <a:rPr lang="en-US" dirty="0"/>
+              <a:t> </a:t>
+            </a:r>
+            <a:r>
+              <a:rPr lang="en-US" dirty="0" err="1"/>
+              <a:t>thực</a:t>
+            </a:r>
+            <a:r>
+              <a:rPr lang="en-US" dirty="0"/>
+              <a:t> </a:t>
+            </a:r>
+            <a:r>
+              <a:rPr lang="en-US" dirty="0" err="1"/>
+              <a:t>thể</a:t>
+            </a:r>
+            <a:r>
+              <a:rPr lang="en-US" dirty="0"/>
+              <a:t> </a:t>
+            </a:r>
+            <a:r>
+              <a:rPr lang="en-US" dirty="0" err="1"/>
+              <a:t>cung</a:t>
+            </a:r>
+            <a:r>
+              <a:rPr lang="en-US" dirty="0"/>
+              <a:t> </a:t>
+            </a:r>
+            <a:r>
+              <a:rPr lang="en-US" dirty="0" err="1"/>
+              <a:t>cấp</a:t>
+            </a:r>
+            <a:r>
+              <a:rPr lang="en-US" dirty="0"/>
+              <a:t> </a:t>
+            </a:r>
+            <a:r>
+              <a:rPr lang="en-US" dirty="0" err="1"/>
+              <a:t>các</a:t>
+            </a:r>
+            <a:r>
+              <a:rPr lang="en-US" dirty="0"/>
+              <a:t> </a:t>
+            </a:r>
+            <a:r>
+              <a:rPr lang="en-US" dirty="0" err="1"/>
+              <a:t>tài</a:t>
+            </a:r>
+            <a:r>
+              <a:rPr lang="en-US" dirty="0"/>
+              <a:t> </a:t>
+            </a:r>
+            <a:r>
+              <a:rPr lang="en-US" dirty="0" err="1"/>
+              <a:t>sản</a:t>
+            </a:r>
+            <a:r>
+              <a:rPr lang="en-US" dirty="0"/>
+              <a:t> (</a:t>
+            </a:r>
+            <a:r>
+              <a:rPr lang="en-US" dirty="0" err="1"/>
+              <a:t>thanh</a:t>
+            </a:r>
+            <a:r>
+              <a:rPr lang="en-US" dirty="0"/>
+              <a:t> </a:t>
+            </a:r>
+            <a:r>
+              <a:rPr lang="en-US" dirty="0" err="1"/>
+              <a:t>khoản</a:t>
+            </a:r>
+            <a:r>
+              <a:rPr lang="en-US" dirty="0"/>
+              <a:t>) </a:t>
+            </a:r>
+            <a:r>
+              <a:rPr lang="en-US" dirty="0" err="1"/>
+              <a:t>để</a:t>
+            </a:r>
+            <a:r>
+              <a:rPr lang="en-US" dirty="0"/>
+              <a:t> </a:t>
+            </a:r>
+            <a:r>
+              <a:rPr lang="en-US" dirty="0" err="1"/>
+              <a:t>giao</a:t>
+            </a:r>
+            <a:r>
+              <a:rPr lang="en-US" dirty="0"/>
+              <a:t> </a:t>
+            </a:r>
+            <a:r>
+              <a:rPr lang="en-US" dirty="0" err="1"/>
+              <a:t>dịch</a:t>
+            </a:r>
+            <a:r>
+              <a:rPr lang="en-US" dirty="0"/>
+              <a:t> </a:t>
+            </a:r>
+            <a:r>
+              <a:rPr lang="en-US" dirty="0" err="1"/>
+              <a:t>trên</a:t>
+            </a:r>
+            <a:r>
+              <a:rPr lang="en-US" dirty="0"/>
+              <a:t> </a:t>
+            </a:r>
+            <a:r>
+              <a:rPr lang="en-US" dirty="0" err="1"/>
+              <a:t>thị</a:t>
+            </a:r>
+            <a:r>
+              <a:rPr lang="en-US" dirty="0"/>
+              <a:t> </a:t>
+            </a:r>
+            <a:r>
+              <a:rPr lang="en-US" dirty="0" err="1"/>
+              <a:t>trường</a:t>
+            </a:r>
+            <a:endParaRPr lang="en-US" dirty="0"/>
           </a:p>
           <a:p>
             <a:pPr marL="171450" indent="-171450">
@@ -2288,7 +1967,79 @@
             </a:pPr>
             <a:r>
               <a:rPr lang="en-US" dirty="0" err="1"/>
-              <a:t>Trong</a:t>
+              <a:t>Ví</a:t>
+            </a:r>
+            <a:r>
+              <a:rPr lang="en-US" dirty="0"/>
+              <a:t> </a:t>
+            </a:r>
+            <a:r>
+              <a:rPr lang="en-US" dirty="0" err="1"/>
+              <a:t>dụ</a:t>
+            </a:r>
+            <a:r>
+              <a:rPr lang="en-US" dirty="0"/>
+              <a:t> </a:t>
+            </a:r>
+            <a:r>
+              <a:rPr lang="en-US" dirty="0" err="1"/>
+              <a:t>để</a:t>
+            </a:r>
+            <a:r>
+              <a:rPr lang="en-US" dirty="0"/>
+              <a:t> </a:t>
+            </a:r>
+            <a:r>
+              <a:rPr lang="en-US" dirty="0" err="1"/>
+              <a:t>trao</a:t>
+            </a:r>
+            <a:r>
+              <a:rPr lang="en-US" dirty="0"/>
+              <a:t> </a:t>
+            </a:r>
+            <a:r>
+              <a:rPr lang="en-US" dirty="0" err="1"/>
+              <a:t>đổi</a:t>
+            </a:r>
+            <a:r>
+              <a:rPr lang="en-US" dirty="0"/>
+              <a:t> </a:t>
+            </a:r>
+            <a:r>
+              <a:rPr lang="en-US" dirty="0" err="1"/>
+              <a:t>giữa</a:t>
+            </a:r>
+            <a:r>
+              <a:rPr lang="en-US" dirty="0"/>
+              <a:t> </a:t>
+            </a:r>
+            <a:r>
+              <a:rPr lang="en-US" dirty="0" err="1"/>
+              <a:t>đồng</a:t>
+            </a:r>
+            <a:r>
+              <a:rPr lang="en-US" dirty="0"/>
+              <a:t> Ether </a:t>
+            </a:r>
+            <a:r>
+              <a:rPr lang="en-US" dirty="0" err="1"/>
+              <a:t>và</a:t>
+            </a:r>
+            <a:r>
+              <a:rPr lang="en-US" dirty="0"/>
+              <a:t> </a:t>
+            </a:r>
+            <a:r>
+              <a:rPr lang="en-US" dirty="0" err="1"/>
+              <a:t>đồng</a:t>
+            </a:r>
+            <a:r>
+              <a:rPr lang="en-US" dirty="0"/>
+              <a:t> Bitcoin </a:t>
+            </a:r>
+            <a:r>
+              <a:rPr lang="en-US" dirty="0" err="1"/>
+              <a:t>trên</a:t>
             </a:r>
             <a:r>
               <a:rPr lang="en-US" dirty="0"/>
@@ -2300,19 +2051,19 @@
             </a:r>
             <a:r>
               <a:rPr lang="en-US" dirty="0"/>
-              <a:t>, </a:t>
+              <a:t>, ta </a:t>
             </a:r>
             <a:r>
               <a:rPr lang="en-US" dirty="0" err="1"/>
-              <a:t>các</a:t>
-            </a:r>
-            <a:r>
-              <a:rPr lang="en-US" dirty="0"/>
-              <a:t> market maker </a:t>
+              <a:t>phải</a:t>
+            </a:r>
+            <a:r>
+              <a:rPr lang="en-US" dirty="0"/>
+              <a:t> </a:t>
             </a:r>
             <a:r>
               <a:rPr lang="en-US" dirty="0" err="1"/>
-              <a:t>đóng</a:t>
+              <a:t>có</a:t>
             </a:r>
             <a:r>
               <a:rPr lang="en-US" dirty="0"/>
@@ -2320,7 +2071,63 @@
             </a:r>
             <a:r>
               <a:rPr lang="en-US" dirty="0" err="1"/>
-              <a:t>góp</a:t>
+              <a:t>người</a:t>
+            </a:r>
+            <a:r>
+              <a:rPr lang="en-US" dirty="0"/>
+              <a:t> </a:t>
+            </a:r>
+            <a:r>
+              <a:rPr lang="en-US" dirty="0" err="1"/>
+              <a:t>cung</a:t>
+            </a:r>
+            <a:r>
+              <a:rPr lang="en-US" dirty="0"/>
+              <a:t> </a:t>
+            </a:r>
+            <a:r>
+              <a:rPr lang="en-US" dirty="0" err="1"/>
+              <a:t>cấp</a:t>
+            </a:r>
+            <a:r>
+              <a:rPr lang="en-US" dirty="0"/>
+              <a:t> </a:t>
+            </a:r>
+            <a:r>
+              <a:rPr lang="en-US" dirty="0" err="1"/>
+              <a:t>một</a:t>
+            </a:r>
+            <a:r>
+              <a:rPr lang="en-US" dirty="0"/>
+              <a:t> </a:t>
+            </a:r>
+            <a:r>
+              <a:rPr lang="en-US" dirty="0" err="1"/>
+              <a:t>số</a:t>
+            </a:r>
+            <a:r>
+              <a:rPr lang="en-US" dirty="0"/>
+              <a:t> </a:t>
+            </a:r>
+            <a:r>
+              <a:rPr lang="en-US" dirty="0" err="1"/>
+              <a:t>lượng</a:t>
+            </a:r>
+            <a:r>
+              <a:rPr lang="en-US" dirty="0"/>
+              <a:t> </a:t>
+            </a:r>
+            <a:r>
+              <a:rPr lang="en-US" dirty="0" err="1"/>
+              <a:t>của</a:t>
+            </a:r>
+            <a:r>
+              <a:rPr lang="en-US" dirty="0"/>
+              <a:t> 2 </a:t>
+            </a:r>
+            <a:r>
+              <a:rPr lang="en-US" dirty="0" err="1"/>
+              <a:t>đồng</a:t>
             </a:r>
             <a:r>
               <a:rPr lang="en-US" dirty="0"/>
@@ -2336,15 +2143,15 @@
             </a:r>
             <a:r>
               <a:rPr lang="en-US" dirty="0" err="1"/>
-              <a:t>của</a:t>
-            </a:r>
-            <a:r>
-              <a:rPr lang="en-US" dirty="0"/>
-              <a:t> </a:t>
+              <a:t>này</a:t>
+            </a:r>
+            <a:r>
+              <a:rPr lang="en-US" dirty="0"/>
+              <a:t> ra </a:t>
             </a:r>
             <a:r>
               <a:rPr lang="en-US" dirty="0" err="1"/>
-              <a:t>họ</a:t>
+              <a:t>thị</a:t>
             </a:r>
             <a:r>
               <a:rPr lang="en-US" dirty="0"/>
@@ -2352,7 +2159,7 @@
             </a:r>
             <a:r>
               <a:rPr lang="en-US" dirty="0" err="1"/>
-              <a:t>vào</a:t>
+              <a:t>trường</a:t>
             </a:r>
             <a:r>
               <a:rPr lang="en-US" dirty="0"/>
@@ -2360,15 +2167,15 @@
             </a:r>
             <a:r>
               <a:rPr lang="en-US" dirty="0" err="1"/>
-              <a:t>một</a:t>
-            </a:r>
-            <a:r>
-              <a:rPr lang="en-US" dirty="0"/>
-              <a:t> smart contract </a:t>
+              <a:t>để</a:t>
+            </a:r>
+            <a:r>
+              <a:rPr lang="en-US" dirty="0"/>
+              <a:t> </a:t>
             </a:r>
             <a:r>
               <a:rPr lang="en-US" dirty="0" err="1"/>
-              <a:t>được</a:t>
+              <a:t>cho</a:t>
             </a:r>
             <a:r>
               <a:rPr lang="en-US" dirty="0"/>
@@ -2376,7 +2183,7 @@
             </a:r>
             <a:r>
               <a:rPr lang="en-US" dirty="0" err="1"/>
-              <a:t>gọi</a:t>
+              <a:t>phép</a:t>
             </a:r>
             <a:r>
               <a:rPr lang="en-US" dirty="0"/>
@@ -2384,15 +2191,15 @@
             </a:r>
             <a:r>
               <a:rPr lang="en-US" dirty="0" err="1"/>
-              <a:t>là</a:t>
-            </a:r>
-            <a:r>
-              <a:rPr lang="en-US" dirty="0"/>
-              <a:t> liquidity pool, do </a:t>
+              <a:t>người</a:t>
+            </a:r>
+            <a:r>
+              <a:rPr lang="en-US" dirty="0"/>
+              <a:t> </a:t>
             </a:r>
             <a:r>
               <a:rPr lang="en-US" dirty="0" err="1"/>
-              <a:t>đó</a:t>
+              <a:t>khác</a:t>
             </a:r>
             <a:r>
               <a:rPr lang="en-US" dirty="0"/>
@@ -2400,15 +2207,15 @@
             </a:r>
             <a:r>
               <a:rPr lang="en-US" dirty="0" err="1"/>
-              <a:t>các</a:t>
-            </a:r>
-            <a:r>
-              <a:rPr lang="en-US" dirty="0"/>
-              <a:t> market maker </a:t>
+              <a:t>có</a:t>
+            </a:r>
+            <a:r>
+              <a:rPr lang="en-US" dirty="0"/>
+              <a:t> </a:t>
             </a:r>
             <a:r>
               <a:rPr lang="en-US" dirty="0" err="1"/>
-              <a:t>này</a:t>
+              <a:t>thể</a:t>
             </a:r>
             <a:r>
               <a:rPr lang="en-US" dirty="0"/>
@@ -2416,7 +2223,7 @@
             </a:r>
             <a:r>
               <a:rPr lang="en-US" dirty="0" err="1"/>
-              <a:t>còn</a:t>
+              <a:t>trao</a:t>
             </a:r>
             <a:r>
               <a:rPr lang="en-US" dirty="0"/>
@@ -2424,28 +2231,9 @@
             </a:r>
             <a:r>
               <a:rPr lang="en-US" dirty="0" err="1"/>
-              <a:t>được</a:t>
-            </a:r>
-            <a:r>
-              <a:rPr lang="en-US" dirty="0"/>
-              <a:t> </a:t>
-            </a:r>
-            <a:r>
-              <a:rPr lang="en-US" dirty="0" err="1"/>
-              <a:t>gọi</a:t>
-            </a:r>
-            <a:r>
-              <a:rPr lang="en-US" dirty="0"/>
-              <a:t> </a:t>
-            </a:r>
-            <a:r>
-              <a:rPr lang="en-US" dirty="0" err="1"/>
-              <a:t>là</a:t>
-            </a:r>
-            <a:r>
-              <a:rPr lang="en-US" dirty="0"/>
-              <a:t> liquidity provider</a:t>
-            </a:r>
+              <a:t>đổi</a:t>
+            </a:r>
+            <a:endParaRPr lang="en-US" dirty="0"/>
           </a:p>
           <a:p>
             <a:pPr marL="171450" indent="-171450">
@@ -2454,7 +2242,7 @@
             </a:pPr>
             <a:r>
               <a:rPr lang="en-US" dirty="0" err="1"/>
-              <a:t>Như</a:t>
+              <a:t>Người</a:t>
             </a:r>
             <a:r>
               <a:rPr lang="en-US" dirty="0"/>
@@ -2462,7 +2250,7 @@
             </a:r>
             <a:r>
               <a:rPr lang="en-US" dirty="0" err="1"/>
-              <a:t>vậy</a:t>
+              <a:t>cung</a:t>
             </a:r>
             <a:r>
               <a:rPr lang="en-US" dirty="0"/>
@@ -2470,31 +2258,7 @@
             </a:r>
             <a:r>
               <a:rPr lang="en-US" dirty="0" err="1"/>
-              <a:t>khi</a:t>
-            </a:r>
-            <a:r>
-              <a:rPr lang="en-US" dirty="0"/>
-              <a:t> </a:t>
-            </a:r>
-            <a:r>
-              <a:rPr lang="en-US" dirty="0" err="1"/>
-              <a:t>một</a:t>
-            </a:r>
-            <a:r>
-              <a:rPr lang="en-US" dirty="0"/>
-              <a:t> user </a:t>
-            </a:r>
-            <a:r>
-              <a:rPr lang="en-US" dirty="0" err="1"/>
-              <a:t>trao</a:t>
-            </a:r>
-            <a:r>
-              <a:rPr lang="en-US" dirty="0"/>
-              <a:t> </a:t>
-            </a:r>
-            <a:r>
-              <a:rPr lang="en-US" dirty="0" err="1"/>
-              <a:t>đổi</a:t>
+              <a:t>cấp</a:t>
             </a:r>
             <a:r>
               <a:rPr lang="en-US" dirty="0"/>
@@ -2510,7 +2274,7 @@
             </a:r>
             <a:r>
               <a:rPr lang="en-US" dirty="0" err="1"/>
-              <a:t>số</a:t>
+              <a:t>này</a:t>
             </a:r>
             <a:r>
               <a:rPr lang="en-US" dirty="0"/>
@@ -2518,7 +2282,7 @@
             </a:r>
             <a:r>
               <a:rPr lang="en-US" dirty="0" err="1"/>
-              <a:t>trên</a:t>
+              <a:t>được</a:t>
             </a:r>
             <a:r>
               <a:rPr lang="en-US" dirty="0"/>
@@ -2526,211 +2290,19 @@
             </a:r>
             <a:r>
               <a:rPr lang="en-US" dirty="0" err="1"/>
-              <a:t>uniswap</a:t>
-            </a:r>
-            <a:r>
-              <a:rPr lang="en-US" dirty="0"/>
-              <a:t>, </a:t>
+              <a:t>gọi</a:t>
+            </a:r>
+            <a:r>
+              <a:rPr lang="en-US" dirty="0"/>
+              <a:t> </a:t>
             </a:r>
             <a:r>
               <a:rPr lang="en-US" dirty="0" err="1"/>
-              <a:t>họ</a:t>
-            </a:r>
-            <a:r>
-              <a:rPr lang="en-US" dirty="0"/>
-              <a:t> </a:t>
-            </a:r>
-            <a:r>
-              <a:rPr lang="en-US" dirty="0" err="1"/>
-              <a:t>đang</a:t>
-            </a:r>
-            <a:r>
-              <a:rPr lang="en-US" dirty="0"/>
-              <a:t> </a:t>
-            </a:r>
-            <a:r>
-              <a:rPr lang="en-US" dirty="0" err="1"/>
-              <a:t>thực</a:t>
-            </a:r>
-            <a:r>
-              <a:rPr lang="en-US" dirty="0"/>
-              <a:t> </a:t>
-            </a:r>
-            <a:r>
-              <a:rPr lang="en-US" dirty="0" err="1"/>
-              <a:t>hiện</a:t>
-            </a:r>
-            <a:r>
-              <a:rPr lang="en-US" dirty="0"/>
-              <a:t> </a:t>
-            </a:r>
-            <a:r>
-              <a:rPr lang="en-US" dirty="0" err="1"/>
-              <a:t>giao</a:t>
-            </a:r>
-            <a:r>
-              <a:rPr lang="en-US" dirty="0"/>
-              <a:t> </a:t>
-            </a:r>
-            <a:r>
-              <a:rPr lang="en-US" dirty="0" err="1"/>
-              <a:t>dịch</a:t>
-            </a:r>
-            <a:r>
-              <a:rPr lang="en-US" dirty="0"/>
-              <a:t> </a:t>
-            </a:r>
-            <a:r>
-              <a:rPr lang="en-US" dirty="0" err="1"/>
-              <a:t>với</a:t>
-            </a:r>
-            <a:r>
-              <a:rPr lang="en-US" dirty="0"/>
-              <a:t> smart contract </a:t>
-            </a:r>
-            <a:r>
-              <a:rPr lang="en-US" dirty="0" err="1"/>
-              <a:t>chứa</a:t>
-            </a:r>
-            <a:r>
-              <a:rPr lang="en-US" dirty="0"/>
-              <a:t> </a:t>
-            </a:r>
-            <a:r>
-              <a:rPr lang="en-US" dirty="0" err="1"/>
-              <a:t>thanh</a:t>
-            </a:r>
-            <a:r>
-              <a:rPr lang="en-US" dirty="0"/>
-              <a:t> </a:t>
-            </a:r>
-            <a:r>
-              <a:rPr lang="en-US" dirty="0" err="1"/>
-              <a:t>khoản</a:t>
-            </a:r>
-            <a:r>
-              <a:rPr lang="en-US" dirty="0"/>
-              <a:t> </a:t>
-            </a:r>
-            <a:r>
-              <a:rPr lang="en-US" dirty="0" err="1"/>
-              <a:t>của</a:t>
-            </a:r>
-            <a:r>
-              <a:rPr lang="en-US" dirty="0"/>
-              <a:t> </a:t>
-            </a:r>
-            <a:r>
-              <a:rPr lang="en-US" dirty="0" err="1"/>
-              <a:t>cặp</a:t>
-            </a:r>
-            <a:r>
-              <a:rPr lang="en-US" dirty="0"/>
-              <a:t> </a:t>
-            </a:r>
-            <a:r>
-              <a:rPr lang="en-US" dirty="0" err="1"/>
-              <a:t>tiền</a:t>
-            </a:r>
-            <a:r>
-              <a:rPr lang="en-US" dirty="0"/>
-              <a:t> </a:t>
-            </a:r>
-            <a:r>
-              <a:rPr lang="en-US" dirty="0" err="1"/>
-              <a:t>số</a:t>
-            </a:r>
-            <a:r>
-              <a:rPr lang="en-US" dirty="0"/>
-              <a:t> </a:t>
-            </a:r>
-            <a:r>
-              <a:rPr lang="en-US" dirty="0" err="1"/>
-              <a:t>mà</a:t>
-            </a:r>
-            <a:r>
-              <a:rPr lang="en-US" dirty="0"/>
-              <a:t> </a:t>
-            </a:r>
-            <a:r>
-              <a:rPr lang="en-US" dirty="0" err="1"/>
-              <a:t>họ</a:t>
-            </a:r>
-            <a:r>
-              <a:rPr lang="en-US" dirty="0"/>
-              <a:t> </a:t>
-            </a:r>
-            <a:r>
-              <a:rPr lang="en-US" dirty="0" err="1"/>
-              <a:t>muốn</a:t>
-            </a:r>
-            <a:r>
-              <a:rPr lang="en-US" dirty="0"/>
-              <a:t> </a:t>
-            </a:r>
-            <a:r>
-              <a:rPr lang="en-US" dirty="0" err="1"/>
-              <a:t>trao</a:t>
-            </a:r>
-            <a:r>
-              <a:rPr lang="en-US" dirty="0"/>
-              <a:t> </a:t>
-            </a:r>
-            <a:r>
-              <a:rPr lang="en-US" dirty="0" err="1"/>
-              <a:t>đổi</a:t>
-            </a:r>
-            <a:r>
-              <a:rPr lang="en-US" dirty="0"/>
-              <a:t>, </a:t>
-            </a:r>
-            <a:r>
-              <a:rPr lang="en-US" dirty="0" err="1"/>
-              <a:t>và</a:t>
-            </a:r>
-            <a:r>
-              <a:rPr lang="en-US" dirty="0"/>
-              <a:t> user </a:t>
-            </a:r>
-            <a:r>
-              <a:rPr lang="en-US" dirty="0" err="1"/>
-              <a:t>sẽ</a:t>
-            </a:r>
-            <a:r>
-              <a:rPr lang="en-US" dirty="0"/>
-              <a:t> </a:t>
-            </a:r>
-            <a:r>
-              <a:rPr lang="en-US" dirty="0" err="1"/>
-              <a:t>trả</a:t>
-            </a:r>
-            <a:r>
-              <a:rPr lang="en-US" dirty="0"/>
-              <a:t> </a:t>
-            </a:r>
-            <a:r>
-              <a:rPr lang="en-US" dirty="0" err="1"/>
-              <a:t>phí</a:t>
-            </a:r>
-            <a:r>
-              <a:rPr lang="en-US" dirty="0"/>
-              <a:t> </a:t>
-            </a:r>
-            <a:r>
-              <a:rPr lang="en-US" dirty="0" err="1"/>
-              <a:t>cho</a:t>
-            </a:r>
-            <a:r>
-              <a:rPr lang="en-US" dirty="0"/>
-              <a:t> LP </a:t>
-            </a:r>
-            <a:r>
-              <a:rPr lang="en-US" dirty="0" err="1"/>
-              <a:t>thông</a:t>
-            </a:r>
-            <a:r>
-              <a:rPr lang="en-US" dirty="0"/>
-              <a:t> qua smart contract</a:t>
+              <a:t>là</a:t>
+            </a:r>
+            <a:r>
+              <a:rPr lang="en-US" dirty="0"/>
+              <a:t> market maker</a:t>
             </a:r>
           </a:p>
         </p:txBody>
@@ -2752,7 +2324,7 @@
           <a:p>
             <a:fld id="{F8822AE0-8962-4E8A-8B5F-B233BC2E8ECB}" type="slidenum">
               <a:rPr lang="en-US" smtClean="0"/>
-              <a:t>15</a:t>
+              <a:t>16</a:t>
             </a:fld>
             <a:endParaRPr lang="en-US"/>
           </a:p>
@@ -2761,7 +2333,7 @@
     </p:spTree>
     <p:extLst>
       <p:ext uri="{BB962C8B-B14F-4D97-AF65-F5344CB8AC3E}">
-        <p14:creationId xmlns:p14="http://schemas.microsoft.com/office/powerpoint/2010/main" val="848155886"/>
+        <p14:creationId xmlns:p14="http://schemas.microsoft.com/office/powerpoint/2010/main" val="2902836152"/>
       </p:ext>
     </p:extLst>
   </p:cSld>
@@ -2815,7 +2387,474 @@
           <a:bodyPr/>
           <a:lstStyle/>
           <a:p>
-            <a:endParaRPr lang="en-US" dirty="0"/>
+            <a:pPr marL="171450" indent="-171450">
+              <a:buFont typeface="Arial" panose="020B0604020202020204" pitchFamily="34" charset="0"/>
+              <a:buChar char="•"/>
+            </a:pPr>
+            <a:r>
+              <a:rPr lang="en-US" dirty="0"/>
+              <a:t>Smart contract: a kind of block in </a:t>
+            </a:r>
+            <a:r>
+              <a:rPr lang="en-US"/>
+              <a:t>Ethereum blockchain </a:t>
+            </a:r>
+            <a:r>
+              <a:rPr lang="en-US" dirty="0"/>
+              <a:t>network</a:t>
+            </a:r>
+          </a:p>
+          <a:p>
+            <a:pPr marL="171450" indent="-171450">
+              <a:buFont typeface="Arial" panose="020B0604020202020204" pitchFamily="34" charset="0"/>
+              <a:buChar char="•"/>
+            </a:pPr>
+            <a:r>
+              <a:rPr lang="en-US" dirty="0" err="1"/>
+              <a:t>Trong</a:t>
+            </a:r>
+            <a:r>
+              <a:rPr lang="en-US" dirty="0"/>
+              <a:t> </a:t>
+            </a:r>
+            <a:r>
+              <a:rPr lang="en-US" dirty="0" err="1"/>
+              <a:t>uniswap</a:t>
+            </a:r>
+            <a:r>
+              <a:rPr lang="en-US" dirty="0"/>
+              <a:t>, </a:t>
+            </a:r>
+            <a:r>
+              <a:rPr lang="en-US" dirty="0" err="1"/>
+              <a:t>các</a:t>
+            </a:r>
+            <a:r>
+              <a:rPr lang="en-US" dirty="0"/>
+              <a:t> market maker </a:t>
+            </a:r>
+            <a:r>
+              <a:rPr lang="en-US" dirty="0" err="1"/>
+              <a:t>đóng</a:t>
+            </a:r>
+            <a:r>
+              <a:rPr lang="en-US" dirty="0"/>
+              <a:t> </a:t>
+            </a:r>
+            <a:r>
+              <a:rPr lang="en-US" dirty="0" err="1"/>
+              <a:t>góp</a:t>
+            </a:r>
+            <a:r>
+              <a:rPr lang="en-US" dirty="0"/>
+              <a:t> </a:t>
+            </a:r>
+            <a:r>
+              <a:rPr lang="en-US" dirty="0" err="1"/>
+              <a:t>tiền</a:t>
+            </a:r>
+            <a:r>
+              <a:rPr lang="en-US" dirty="0"/>
+              <a:t> </a:t>
+            </a:r>
+            <a:r>
+              <a:rPr lang="en-US" dirty="0" err="1"/>
+              <a:t>của</a:t>
+            </a:r>
+            <a:r>
+              <a:rPr lang="en-US" dirty="0"/>
+              <a:t> </a:t>
+            </a:r>
+            <a:r>
+              <a:rPr lang="en-US" dirty="0" err="1"/>
+              <a:t>họ</a:t>
+            </a:r>
+            <a:r>
+              <a:rPr lang="en-US" dirty="0"/>
+              <a:t> </a:t>
+            </a:r>
+            <a:r>
+              <a:rPr lang="en-US" dirty="0" err="1"/>
+              <a:t>vào</a:t>
+            </a:r>
+            <a:r>
+              <a:rPr lang="en-US" dirty="0"/>
+              <a:t> </a:t>
+            </a:r>
+            <a:r>
+              <a:rPr lang="en-US" dirty="0" err="1"/>
+              <a:t>một</a:t>
+            </a:r>
+            <a:r>
+              <a:rPr lang="en-US" dirty="0"/>
+              <a:t> smart contract </a:t>
+            </a:r>
+            <a:r>
+              <a:rPr lang="en-US" dirty="0" err="1"/>
+              <a:t>được</a:t>
+            </a:r>
+            <a:r>
+              <a:rPr lang="en-US" dirty="0"/>
+              <a:t> </a:t>
+            </a:r>
+            <a:r>
+              <a:rPr lang="en-US" dirty="0" err="1"/>
+              <a:t>gọi</a:t>
+            </a:r>
+            <a:r>
+              <a:rPr lang="en-US" dirty="0"/>
+              <a:t> </a:t>
+            </a:r>
+            <a:r>
+              <a:rPr lang="en-US" dirty="0" err="1"/>
+              <a:t>là</a:t>
+            </a:r>
+            <a:r>
+              <a:rPr lang="en-US" dirty="0"/>
+              <a:t> liquidity pool, do </a:t>
+            </a:r>
+            <a:r>
+              <a:rPr lang="en-US" dirty="0" err="1"/>
+              <a:t>đó</a:t>
+            </a:r>
+            <a:r>
+              <a:rPr lang="en-US" dirty="0"/>
+              <a:t> </a:t>
+            </a:r>
+            <a:r>
+              <a:rPr lang="en-US" dirty="0" err="1"/>
+              <a:t>các</a:t>
+            </a:r>
+            <a:r>
+              <a:rPr lang="en-US" dirty="0"/>
+              <a:t> market maker </a:t>
+            </a:r>
+            <a:r>
+              <a:rPr lang="en-US" dirty="0" err="1"/>
+              <a:t>này</a:t>
+            </a:r>
+            <a:r>
+              <a:rPr lang="en-US" dirty="0"/>
+              <a:t> </a:t>
+            </a:r>
+            <a:r>
+              <a:rPr lang="en-US" dirty="0" err="1"/>
+              <a:t>còn</a:t>
+            </a:r>
+            <a:r>
+              <a:rPr lang="en-US" dirty="0"/>
+              <a:t> </a:t>
+            </a:r>
+            <a:r>
+              <a:rPr lang="en-US" dirty="0" err="1"/>
+              <a:t>được</a:t>
+            </a:r>
+            <a:r>
+              <a:rPr lang="en-US" dirty="0"/>
+              <a:t> </a:t>
+            </a:r>
+            <a:r>
+              <a:rPr lang="en-US" dirty="0" err="1"/>
+              <a:t>gọi</a:t>
+            </a:r>
+            <a:r>
+              <a:rPr lang="en-US" dirty="0"/>
+              <a:t> </a:t>
+            </a:r>
+            <a:r>
+              <a:rPr lang="en-US" dirty="0" err="1"/>
+              <a:t>là</a:t>
+            </a:r>
+            <a:r>
+              <a:rPr lang="en-US" dirty="0"/>
+              <a:t> liquidity provider</a:t>
+            </a:r>
+          </a:p>
+          <a:p>
+            <a:pPr marL="171450" indent="-171450">
+              <a:buFont typeface="Arial" panose="020B0604020202020204" pitchFamily="34" charset="0"/>
+              <a:buChar char="•"/>
+            </a:pPr>
+            <a:r>
+              <a:rPr lang="en-US" dirty="0" err="1"/>
+              <a:t>Như</a:t>
+            </a:r>
+            <a:r>
+              <a:rPr lang="en-US" dirty="0"/>
+              <a:t> </a:t>
+            </a:r>
+            <a:r>
+              <a:rPr lang="en-US" dirty="0" err="1"/>
+              <a:t>vậy</a:t>
+            </a:r>
+            <a:r>
+              <a:rPr lang="en-US" dirty="0"/>
+              <a:t> </a:t>
+            </a:r>
+            <a:r>
+              <a:rPr lang="en-US" dirty="0" err="1"/>
+              <a:t>khi</a:t>
+            </a:r>
+            <a:r>
+              <a:rPr lang="en-US" dirty="0"/>
+              <a:t> </a:t>
+            </a:r>
+            <a:r>
+              <a:rPr lang="en-US" dirty="0" err="1"/>
+              <a:t>một</a:t>
+            </a:r>
+            <a:r>
+              <a:rPr lang="en-US" dirty="0"/>
+              <a:t> user </a:t>
+            </a:r>
+            <a:r>
+              <a:rPr lang="en-US" dirty="0" err="1"/>
+              <a:t>trao</a:t>
+            </a:r>
+            <a:r>
+              <a:rPr lang="en-US" dirty="0"/>
+              <a:t> </a:t>
+            </a:r>
+            <a:r>
+              <a:rPr lang="en-US" dirty="0" err="1"/>
+              <a:t>đổi</a:t>
+            </a:r>
+            <a:r>
+              <a:rPr lang="en-US" dirty="0"/>
+              <a:t> </a:t>
+            </a:r>
+            <a:r>
+              <a:rPr lang="en-US" dirty="0" err="1"/>
+              <a:t>tiền</a:t>
+            </a:r>
+            <a:r>
+              <a:rPr lang="en-US" dirty="0"/>
+              <a:t> </a:t>
+            </a:r>
+            <a:r>
+              <a:rPr lang="en-US" dirty="0" err="1"/>
+              <a:t>số</a:t>
+            </a:r>
+            <a:r>
+              <a:rPr lang="en-US" dirty="0"/>
+              <a:t> </a:t>
+            </a:r>
+            <a:r>
+              <a:rPr lang="en-US" dirty="0" err="1"/>
+              <a:t>trên</a:t>
+            </a:r>
+            <a:r>
+              <a:rPr lang="en-US" dirty="0"/>
+              <a:t> </a:t>
+            </a:r>
+            <a:r>
+              <a:rPr lang="en-US" dirty="0" err="1"/>
+              <a:t>uniswap</a:t>
+            </a:r>
+            <a:r>
+              <a:rPr lang="en-US" dirty="0"/>
+              <a:t>, </a:t>
+            </a:r>
+            <a:r>
+              <a:rPr lang="en-US" dirty="0" err="1"/>
+              <a:t>họ</a:t>
+            </a:r>
+            <a:r>
+              <a:rPr lang="en-US" dirty="0"/>
+              <a:t> </a:t>
+            </a:r>
+            <a:r>
+              <a:rPr lang="en-US" dirty="0" err="1"/>
+              <a:t>đang</a:t>
+            </a:r>
+            <a:r>
+              <a:rPr lang="en-US" dirty="0"/>
+              <a:t> </a:t>
+            </a:r>
+            <a:r>
+              <a:rPr lang="en-US" dirty="0" err="1"/>
+              <a:t>thực</a:t>
+            </a:r>
+            <a:r>
+              <a:rPr lang="en-US" dirty="0"/>
+              <a:t> </a:t>
+            </a:r>
+            <a:r>
+              <a:rPr lang="en-US" dirty="0" err="1"/>
+              <a:t>hiện</a:t>
+            </a:r>
+            <a:r>
+              <a:rPr lang="en-US" dirty="0"/>
+              <a:t> </a:t>
+            </a:r>
+            <a:r>
+              <a:rPr lang="en-US" dirty="0" err="1"/>
+              <a:t>giao</a:t>
+            </a:r>
+            <a:r>
+              <a:rPr lang="en-US" dirty="0"/>
+              <a:t> </a:t>
+            </a:r>
+            <a:r>
+              <a:rPr lang="en-US" dirty="0" err="1"/>
+              <a:t>dịch</a:t>
+            </a:r>
+            <a:r>
+              <a:rPr lang="en-US" dirty="0"/>
+              <a:t> </a:t>
+            </a:r>
+            <a:r>
+              <a:rPr lang="en-US" dirty="0" err="1"/>
+              <a:t>với</a:t>
+            </a:r>
+            <a:r>
+              <a:rPr lang="en-US" dirty="0"/>
+              <a:t> smart contract </a:t>
+            </a:r>
+            <a:r>
+              <a:rPr lang="en-US" dirty="0" err="1"/>
+              <a:t>chứa</a:t>
+            </a:r>
+            <a:r>
+              <a:rPr lang="en-US" dirty="0"/>
+              <a:t> </a:t>
+            </a:r>
+            <a:r>
+              <a:rPr lang="en-US" dirty="0" err="1"/>
+              <a:t>thanh</a:t>
+            </a:r>
+            <a:r>
+              <a:rPr lang="en-US" dirty="0"/>
+              <a:t> </a:t>
+            </a:r>
+            <a:r>
+              <a:rPr lang="en-US" dirty="0" err="1"/>
+              <a:t>khoản</a:t>
+            </a:r>
+            <a:r>
+              <a:rPr lang="en-US" dirty="0"/>
+              <a:t> </a:t>
+            </a:r>
+            <a:r>
+              <a:rPr lang="en-US" dirty="0" err="1"/>
+              <a:t>của</a:t>
+            </a:r>
+            <a:r>
+              <a:rPr lang="en-US" dirty="0"/>
+              <a:t> </a:t>
+            </a:r>
+            <a:r>
+              <a:rPr lang="en-US" dirty="0" err="1"/>
+              <a:t>cặp</a:t>
+            </a:r>
+            <a:r>
+              <a:rPr lang="en-US" dirty="0"/>
+              <a:t> </a:t>
+            </a:r>
+            <a:r>
+              <a:rPr lang="en-US" dirty="0" err="1"/>
+              <a:t>tiền</a:t>
+            </a:r>
+            <a:r>
+              <a:rPr lang="en-US" dirty="0"/>
+              <a:t> </a:t>
+            </a:r>
+            <a:r>
+              <a:rPr lang="en-US" dirty="0" err="1"/>
+              <a:t>số</a:t>
+            </a:r>
+            <a:r>
+              <a:rPr lang="en-US" dirty="0"/>
+              <a:t> </a:t>
+            </a:r>
+            <a:r>
+              <a:rPr lang="en-US" dirty="0" err="1"/>
+              <a:t>mà</a:t>
+            </a:r>
+            <a:r>
+              <a:rPr lang="en-US" dirty="0"/>
+              <a:t> </a:t>
+            </a:r>
+            <a:r>
+              <a:rPr lang="en-US" dirty="0" err="1"/>
+              <a:t>họ</a:t>
+            </a:r>
+            <a:r>
+              <a:rPr lang="en-US" dirty="0"/>
+              <a:t> </a:t>
+            </a:r>
+            <a:r>
+              <a:rPr lang="en-US" dirty="0" err="1"/>
+              <a:t>muốn</a:t>
+            </a:r>
+            <a:r>
+              <a:rPr lang="en-US" dirty="0"/>
+              <a:t> </a:t>
+            </a:r>
+            <a:r>
+              <a:rPr lang="en-US" dirty="0" err="1"/>
+              <a:t>trao</a:t>
+            </a:r>
+            <a:r>
+              <a:rPr lang="en-US" dirty="0"/>
+              <a:t> </a:t>
+            </a:r>
+            <a:r>
+              <a:rPr lang="en-US" dirty="0" err="1"/>
+              <a:t>đổi</a:t>
+            </a:r>
+            <a:r>
+              <a:rPr lang="en-US" dirty="0"/>
+              <a:t>, </a:t>
+            </a:r>
+            <a:r>
+              <a:rPr lang="en-US" dirty="0" err="1"/>
+              <a:t>và</a:t>
+            </a:r>
+            <a:r>
+              <a:rPr lang="en-US" dirty="0"/>
+              <a:t> user </a:t>
+            </a:r>
+            <a:r>
+              <a:rPr lang="en-US" dirty="0" err="1"/>
+              <a:t>sẽ</a:t>
+            </a:r>
+            <a:r>
+              <a:rPr lang="en-US" dirty="0"/>
+              <a:t> </a:t>
+            </a:r>
+            <a:r>
+              <a:rPr lang="en-US" dirty="0" err="1"/>
+              <a:t>trả</a:t>
+            </a:r>
+            <a:r>
+              <a:rPr lang="en-US" dirty="0"/>
+              <a:t> </a:t>
+            </a:r>
+            <a:r>
+              <a:rPr lang="en-US" dirty="0" err="1"/>
+              <a:t>phí</a:t>
+            </a:r>
+            <a:r>
+              <a:rPr lang="en-US" dirty="0"/>
+              <a:t> </a:t>
+            </a:r>
+            <a:r>
+              <a:rPr lang="en-US" dirty="0" err="1"/>
+              <a:t>cho</a:t>
+            </a:r>
+            <a:r>
+              <a:rPr lang="en-US" dirty="0"/>
+              <a:t> LP </a:t>
+            </a:r>
+            <a:r>
+              <a:rPr lang="en-US" dirty="0" err="1"/>
+              <a:t>thông</a:t>
+            </a:r>
+            <a:r>
+              <a:rPr lang="en-US" dirty="0"/>
+              <a:t> qua smart contract</a:t>
+            </a:r>
           </a:p>
         </p:txBody>
       </p:sp>
@@ -2836,7 +2875,91 @@
           <a:p>
             <a:fld id="{F8822AE0-8962-4E8A-8B5F-B233BC2E8ECB}" type="slidenum">
               <a:rPr lang="en-US" smtClean="0"/>
-              <a:t>16</a:t>
+              <a:t>17</a:t>
+            </a:fld>
+            <a:endParaRPr lang="en-US"/>
+          </a:p>
+        </p:txBody>
+      </p:sp>
+    </p:spTree>
+    <p:extLst>
+      <p:ext uri="{BB962C8B-B14F-4D97-AF65-F5344CB8AC3E}">
+        <p14:creationId xmlns:p14="http://schemas.microsoft.com/office/powerpoint/2010/main" val="848155886"/>
+      </p:ext>
+    </p:extLst>
+  </p:cSld>
+  <p:clrMapOvr>
+    <a:masterClrMapping/>
+  </p:clrMapOvr>
+</p:notes>
+</file>
+
+<file path=ppt/notesSlides/notesSlide14.xml><?xml version="1.0" encoding="utf-8"?>
+<p:notes xmlns:a="http://schemas.openxmlformats.org/drawingml/2006/main" xmlns:r="http://schemas.openxmlformats.org/officeDocument/2006/relationships" xmlns:p="http://schemas.openxmlformats.org/presentationml/2006/main">
+  <p:cSld>
+    <p:spTree>
+      <p:nvGrpSpPr>
+        <p:cNvPr id="1" name=""/>
+        <p:cNvGrpSpPr/>
+        <p:nvPr/>
+      </p:nvGrpSpPr>
+      <p:grpSpPr>
+        <a:xfrm>
+          <a:off x="0" y="0"/>
+          <a:ext cx="0" cy="0"/>
+          <a:chOff x="0" y="0"/>
+          <a:chExt cx="0" cy="0"/>
+        </a:xfrm>
+      </p:grpSpPr>
+      <p:sp>
+        <p:nvSpPr>
+          <p:cNvPr id="2" name="Slide Image Placeholder 1"/>
+          <p:cNvSpPr>
+            <a:spLocks noGrp="1" noRot="1" noChangeAspect="1"/>
+          </p:cNvSpPr>
+          <p:nvPr>
+            <p:ph type="sldImg"/>
+          </p:nvPr>
+        </p:nvSpPr>
+        <p:spPr/>
+      </p:sp>
+      <p:sp>
+        <p:nvSpPr>
+          <p:cNvPr id="3" name="Notes Placeholder 2"/>
+          <p:cNvSpPr>
+            <a:spLocks noGrp="1"/>
+          </p:cNvSpPr>
+          <p:nvPr>
+            <p:ph type="body" idx="1"/>
+          </p:nvPr>
+        </p:nvSpPr>
+        <p:spPr/>
+        <p:txBody>
+          <a:bodyPr/>
+          <a:lstStyle/>
+          <a:p>
+            <a:endParaRPr lang="en-US" dirty="0"/>
+          </a:p>
+        </p:txBody>
+      </p:sp>
+      <p:sp>
+        <p:nvSpPr>
+          <p:cNvPr id="4" name="Slide Number Placeholder 3"/>
+          <p:cNvSpPr>
+            <a:spLocks noGrp="1"/>
+          </p:cNvSpPr>
+          <p:nvPr>
+            <p:ph type="sldNum" sz="quarter" idx="5"/>
+          </p:nvPr>
+        </p:nvSpPr>
+        <p:spPr/>
+        <p:txBody>
+          <a:bodyPr/>
+          <a:lstStyle/>
+          <a:p>
+            <a:fld id="{F8822AE0-8962-4E8A-8B5F-B233BC2E8ECB}" type="slidenum">
+              <a:rPr lang="en-US" smtClean="0"/>
+              <a:t>18</a:t>
             </a:fld>
             <a:endParaRPr lang="en-US"/>
           </a:p>
@@ -8993,6 +9116,1204 @@
             <a:r>
               <a:rPr lang="en-US" baseline="0" dirty="0" err="1" smtClean="0"/>
               <a:t>đảo</a:t>
+            </a:r>
+            <a:endParaRPr lang="en-US" baseline="0" dirty="0" smtClean="0"/>
+          </a:p>
+          <a:p>
+            <a:pPr marL="171450" indent="-171450">
+              <a:buFont typeface="Arial" panose="020B0604020202020204" pitchFamily="34" charset="0"/>
+              <a:buChar char="•"/>
+            </a:pPr>
+            <a:r>
+              <a:rPr lang="en-US" baseline="0" dirty="0" smtClean="0"/>
+              <a:t>POS </a:t>
+            </a:r>
+            <a:r>
+              <a:rPr lang="en-US" baseline="0" dirty="0" err="1" smtClean="0"/>
+              <a:t>có</a:t>
+            </a:r>
+            <a:r>
+              <a:rPr lang="en-US" baseline="0" dirty="0" smtClean="0"/>
+              <a:t> </a:t>
+            </a:r>
+            <a:r>
+              <a:rPr lang="en-US" baseline="0" dirty="0" err="1" smtClean="0"/>
+              <a:t>lợi</a:t>
+            </a:r>
+            <a:r>
+              <a:rPr lang="en-US" baseline="0" dirty="0" smtClean="0"/>
+              <a:t> </a:t>
+            </a:r>
+            <a:r>
+              <a:rPr lang="en-US" baseline="0" dirty="0" err="1" smtClean="0"/>
+              <a:t>thế</a:t>
+            </a:r>
+            <a:r>
+              <a:rPr lang="en-US" baseline="0" dirty="0" smtClean="0"/>
+              <a:t>: </a:t>
+            </a:r>
+          </a:p>
+          <a:p>
+            <a:pPr marL="171450" indent="-171450">
+              <a:buFont typeface="Arial" panose="020B0604020202020204" pitchFamily="34" charset="0"/>
+              <a:buChar char="•"/>
+            </a:pPr>
+            <a:r>
+              <a:rPr lang="en-US" baseline="0" dirty="0" smtClean="0"/>
+              <a:t>- </a:t>
+            </a:r>
+            <a:r>
+              <a:rPr lang="en-US" baseline="0" dirty="0" err="1" smtClean="0"/>
+              <a:t>Giảm</a:t>
+            </a:r>
+            <a:r>
+              <a:rPr lang="en-US" baseline="0" dirty="0" smtClean="0"/>
+              <a:t> </a:t>
+            </a:r>
+            <a:r>
+              <a:rPr lang="en-US" baseline="0" dirty="0" err="1" smtClean="0"/>
+              <a:t>điện</a:t>
+            </a:r>
+            <a:r>
+              <a:rPr lang="en-US" baseline="0" dirty="0" smtClean="0"/>
+              <a:t> </a:t>
+            </a:r>
+            <a:r>
+              <a:rPr lang="en-US" baseline="0" dirty="0" err="1" smtClean="0"/>
+              <a:t>năng</a:t>
+            </a:r>
+            <a:r>
+              <a:rPr lang="en-US" baseline="0" dirty="0" smtClean="0"/>
+              <a:t> </a:t>
+            </a:r>
+            <a:r>
+              <a:rPr lang="en-US" baseline="0" dirty="0" err="1" smtClean="0"/>
+              <a:t>tiêu</a:t>
+            </a:r>
+            <a:r>
+              <a:rPr lang="en-US" baseline="0" dirty="0" smtClean="0"/>
+              <a:t> </a:t>
+            </a:r>
+            <a:r>
+              <a:rPr lang="en-US" baseline="0" dirty="0" err="1" smtClean="0"/>
+              <a:t>tốn</a:t>
+            </a:r>
+            <a:r>
+              <a:rPr lang="en-US" baseline="0" dirty="0" smtClean="0"/>
+              <a:t> </a:t>
+            </a:r>
+            <a:r>
+              <a:rPr lang="en-US" baseline="0" dirty="0" err="1" smtClean="0"/>
+              <a:t>khi</a:t>
+            </a:r>
+            <a:r>
+              <a:rPr lang="en-US" baseline="0" dirty="0" smtClean="0"/>
+              <a:t> </a:t>
+            </a:r>
+            <a:r>
+              <a:rPr lang="en-US" baseline="0" dirty="0" err="1" smtClean="0"/>
+              <a:t>không</a:t>
+            </a:r>
+            <a:r>
+              <a:rPr lang="en-US" baseline="0" dirty="0" smtClean="0"/>
+              <a:t> </a:t>
+            </a:r>
+            <a:r>
+              <a:rPr lang="en-US" baseline="0" dirty="0" err="1" smtClean="0"/>
+              <a:t>cần</a:t>
+            </a:r>
+            <a:r>
+              <a:rPr lang="en-US" baseline="0" dirty="0" smtClean="0"/>
+              <a:t> </a:t>
+            </a:r>
+            <a:r>
+              <a:rPr lang="en-US" baseline="0" dirty="0" err="1" smtClean="0"/>
+              <a:t>tất</a:t>
+            </a:r>
+            <a:r>
+              <a:rPr lang="en-US" baseline="0" dirty="0" smtClean="0"/>
+              <a:t> </a:t>
+            </a:r>
+            <a:r>
+              <a:rPr lang="en-US" baseline="0" dirty="0" err="1" smtClean="0"/>
+              <a:t>cả</a:t>
+            </a:r>
+            <a:r>
+              <a:rPr lang="en-US" baseline="0" dirty="0" smtClean="0"/>
+              <a:t> </a:t>
+            </a:r>
+            <a:r>
+              <a:rPr lang="en-US" baseline="0" dirty="0" err="1" smtClean="0"/>
+              <a:t>các</a:t>
+            </a:r>
+            <a:r>
+              <a:rPr lang="en-US" baseline="0" dirty="0" smtClean="0"/>
+              <a:t> nodes </a:t>
+            </a:r>
+            <a:r>
+              <a:rPr lang="en-US" baseline="0" dirty="0" err="1" smtClean="0"/>
+              <a:t>tham</a:t>
+            </a:r>
+            <a:r>
+              <a:rPr lang="en-US" baseline="0" dirty="0" smtClean="0"/>
+              <a:t> </a:t>
+            </a:r>
+            <a:r>
+              <a:rPr lang="en-US" baseline="0" dirty="0" err="1" smtClean="0"/>
+              <a:t>gia</a:t>
+            </a:r>
+            <a:r>
+              <a:rPr lang="en-US" baseline="0" dirty="0" smtClean="0"/>
+              <a:t> </a:t>
+            </a:r>
+            <a:r>
+              <a:rPr lang="en-US" baseline="0" dirty="0" err="1" smtClean="0"/>
+              <a:t>vào</a:t>
+            </a:r>
+            <a:r>
+              <a:rPr lang="en-US" baseline="0" dirty="0" smtClean="0"/>
+              <a:t> </a:t>
+            </a:r>
+            <a:r>
+              <a:rPr lang="en-US" baseline="0" dirty="0" err="1" smtClean="0"/>
+              <a:t>việc</a:t>
+            </a:r>
+            <a:r>
+              <a:rPr lang="en-US" baseline="0" dirty="0" smtClean="0"/>
+              <a:t> </a:t>
+            </a:r>
+            <a:r>
+              <a:rPr lang="en-US" baseline="0" dirty="0" err="1" smtClean="0"/>
+              <a:t>cạnh</a:t>
+            </a:r>
+            <a:r>
+              <a:rPr lang="en-US" baseline="0" dirty="0" smtClean="0"/>
+              <a:t> </a:t>
+            </a:r>
+            <a:r>
+              <a:rPr lang="en-US" baseline="0" dirty="0" err="1" smtClean="0"/>
+              <a:t>tranh</a:t>
+            </a:r>
+            <a:r>
+              <a:rPr lang="en-US" baseline="0" dirty="0" smtClean="0"/>
+              <a:t> </a:t>
+            </a:r>
+            <a:r>
+              <a:rPr lang="en-US" baseline="0" dirty="0" err="1" smtClean="0"/>
+              <a:t>giải</a:t>
+            </a:r>
+            <a:r>
+              <a:rPr lang="en-US" baseline="0" dirty="0" smtClean="0"/>
+              <a:t> </a:t>
+            </a:r>
+            <a:r>
+              <a:rPr lang="en-US" baseline="0" dirty="0" err="1" smtClean="0"/>
+              <a:t>câu</a:t>
+            </a:r>
+            <a:r>
+              <a:rPr lang="en-US" baseline="0" dirty="0" smtClean="0"/>
+              <a:t> </a:t>
+            </a:r>
+            <a:r>
+              <a:rPr lang="en-US" baseline="0" dirty="0" err="1" smtClean="0"/>
+              <a:t>đố</a:t>
+            </a:r>
+            <a:r>
+              <a:rPr lang="en-US" baseline="0" dirty="0" smtClean="0"/>
+              <a:t> </a:t>
+            </a:r>
+            <a:r>
+              <a:rPr lang="en-US" baseline="0" dirty="0" err="1" smtClean="0"/>
+              <a:t>như</a:t>
+            </a:r>
+            <a:r>
+              <a:rPr lang="en-US" baseline="0" dirty="0" smtClean="0"/>
+              <a:t> </a:t>
+            </a:r>
+            <a:r>
+              <a:rPr lang="en-US" baseline="0" dirty="0" err="1" smtClean="0"/>
+              <a:t>trong</a:t>
+            </a:r>
+            <a:r>
+              <a:rPr lang="en-US" baseline="0" dirty="0" smtClean="0"/>
+              <a:t> POW</a:t>
+            </a:r>
+          </a:p>
+          <a:p>
+            <a:pPr marL="171450" indent="-171450">
+              <a:buFont typeface="Arial" panose="020B0604020202020204" pitchFamily="34" charset="0"/>
+              <a:buChar char="•"/>
+            </a:pPr>
+            <a:r>
+              <a:rPr lang="en-US" baseline="0" dirty="0" smtClean="0"/>
+              <a:t>- Do </a:t>
+            </a:r>
+            <a:r>
+              <a:rPr lang="en-US" baseline="0" dirty="0" err="1" smtClean="0"/>
+              <a:t>ko</a:t>
+            </a:r>
+            <a:r>
+              <a:rPr lang="en-US" baseline="0" dirty="0" smtClean="0"/>
+              <a:t> </a:t>
+            </a:r>
+            <a:r>
+              <a:rPr lang="en-US" baseline="0" dirty="0" err="1" smtClean="0"/>
+              <a:t>cần</a:t>
+            </a:r>
+            <a:r>
+              <a:rPr lang="en-US" baseline="0" dirty="0" smtClean="0"/>
+              <a:t> </a:t>
+            </a:r>
+            <a:r>
+              <a:rPr lang="en-US" baseline="0" dirty="0" err="1" smtClean="0"/>
+              <a:t>tất</a:t>
+            </a:r>
+            <a:r>
+              <a:rPr lang="en-US" baseline="0" dirty="0" smtClean="0"/>
+              <a:t> </a:t>
+            </a:r>
+            <a:r>
+              <a:rPr lang="en-US" baseline="0" dirty="0" err="1" smtClean="0"/>
+              <a:t>cả</a:t>
+            </a:r>
+            <a:r>
+              <a:rPr lang="en-US" baseline="0" dirty="0" smtClean="0"/>
+              <a:t> </a:t>
+            </a:r>
+            <a:r>
+              <a:rPr lang="en-US" baseline="0" dirty="0" err="1" smtClean="0"/>
+              <a:t>các</a:t>
+            </a:r>
+            <a:r>
+              <a:rPr lang="en-US" baseline="0" dirty="0" smtClean="0"/>
+              <a:t> nodes </a:t>
+            </a:r>
+            <a:r>
+              <a:rPr lang="en-US" baseline="0" dirty="0" err="1" smtClean="0"/>
+              <a:t>cạnh</a:t>
+            </a:r>
+            <a:r>
+              <a:rPr lang="en-US" baseline="0" dirty="0" smtClean="0"/>
+              <a:t> </a:t>
+            </a:r>
+            <a:r>
+              <a:rPr lang="en-US" baseline="0" dirty="0" err="1" smtClean="0"/>
+              <a:t>tranh</a:t>
+            </a:r>
+            <a:r>
+              <a:rPr lang="en-US" baseline="0" dirty="0" smtClean="0"/>
+              <a:t> </a:t>
+            </a:r>
+            <a:r>
+              <a:rPr lang="en-US" baseline="0" dirty="0" err="1" smtClean="0"/>
+              <a:t>giải</a:t>
+            </a:r>
+            <a:r>
+              <a:rPr lang="en-US" baseline="0" dirty="0" smtClean="0"/>
+              <a:t> </a:t>
+            </a:r>
+            <a:r>
+              <a:rPr lang="en-US" baseline="0" dirty="0" err="1" smtClean="0"/>
+              <a:t>câu</a:t>
+            </a:r>
+            <a:r>
+              <a:rPr lang="en-US" baseline="0" dirty="0" smtClean="0"/>
+              <a:t> </a:t>
+            </a:r>
+            <a:r>
+              <a:rPr lang="en-US" baseline="0" dirty="0" err="1" smtClean="0"/>
+              <a:t>đố</a:t>
+            </a:r>
+            <a:r>
+              <a:rPr lang="en-US" baseline="0" dirty="0" smtClean="0"/>
+              <a:t> </a:t>
+            </a:r>
+            <a:r>
+              <a:rPr lang="en-US" baseline="0" dirty="0" err="1" smtClean="0"/>
+              <a:t>nên</a:t>
+            </a:r>
+            <a:r>
+              <a:rPr lang="en-US" baseline="0" dirty="0" smtClean="0"/>
+              <a:t> </a:t>
+            </a:r>
+            <a:r>
+              <a:rPr lang="en-US" baseline="0" dirty="0" err="1" smtClean="0"/>
+              <a:t>có</a:t>
+            </a:r>
+            <a:r>
+              <a:rPr lang="en-US" baseline="0" dirty="0" smtClean="0"/>
+              <a:t> </a:t>
+            </a:r>
+            <a:r>
+              <a:rPr lang="en-US" baseline="0" dirty="0" err="1" smtClean="0"/>
+              <a:t>thể</a:t>
+            </a:r>
+            <a:r>
+              <a:rPr lang="en-US" baseline="0" dirty="0" smtClean="0"/>
+              <a:t> </a:t>
+            </a:r>
+            <a:r>
+              <a:rPr lang="en-US" baseline="0" dirty="0" err="1" smtClean="0"/>
+              <a:t>thiết</a:t>
+            </a:r>
+            <a:r>
+              <a:rPr lang="en-US" baseline="0" dirty="0" smtClean="0"/>
+              <a:t> </a:t>
+            </a:r>
+            <a:r>
+              <a:rPr lang="en-US" baseline="0" dirty="0" err="1" smtClean="0"/>
+              <a:t>kế</a:t>
+            </a:r>
+            <a:r>
+              <a:rPr lang="en-US" baseline="0" dirty="0" smtClean="0"/>
+              <a:t> </a:t>
+            </a:r>
+            <a:r>
+              <a:rPr lang="en-US" baseline="0" dirty="0" err="1" smtClean="0"/>
+              <a:t>câu</a:t>
+            </a:r>
+            <a:r>
+              <a:rPr lang="en-US" baseline="0" dirty="0" smtClean="0"/>
+              <a:t> </a:t>
+            </a:r>
+            <a:r>
+              <a:rPr lang="en-US" baseline="0" dirty="0" err="1" smtClean="0"/>
+              <a:t>đố</a:t>
+            </a:r>
+            <a:r>
+              <a:rPr lang="en-US" baseline="0" dirty="0" smtClean="0"/>
+              <a:t> </a:t>
+            </a:r>
+            <a:r>
+              <a:rPr lang="en-US" baseline="0" dirty="0" err="1" smtClean="0"/>
+              <a:t>ít</a:t>
+            </a:r>
+            <a:r>
+              <a:rPr lang="en-US" baseline="0" dirty="0" smtClean="0"/>
+              <a:t> </a:t>
+            </a:r>
+            <a:r>
+              <a:rPr lang="en-US" baseline="0" dirty="0" err="1" smtClean="0"/>
+              <a:t>tiêu</a:t>
+            </a:r>
+            <a:r>
+              <a:rPr lang="en-US" baseline="0" dirty="0" smtClean="0"/>
+              <a:t> </a:t>
+            </a:r>
+            <a:r>
+              <a:rPr lang="en-US" baseline="0" dirty="0" err="1" smtClean="0"/>
+              <a:t>tốn</a:t>
+            </a:r>
+            <a:r>
+              <a:rPr lang="en-US" baseline="0" dirty="0" smtClean="0"/>
+              <a:t> </a:t>
+            </a:r>
+            <a:r>
+              <a:rPr lang="en-US" baseline="0" dirty="0" err="1" smtClean="0"/>
+              <a:t>điện</a:t>
+            </a:r>
+            <a:r>
+              <a:rPr lang="en-US" baseline="0" dirty="0" smtClean="0"/>
+              <a:t> </a:t>
+            </a:r>
+            <a:r>
+              <a:rPr lang="en-US" baseline="0" dirty="0" err="1" smtClean="0"/>
+              <a:t>năng</a:t>
+            </a:r>
+            <a:r>
+              <a:rPr lang="en-US" baseline="0" dirty="0" smtClean="0"/>
+              <a:t> </a:t>
+            </a:r>
+            <a:r>
+              <a:rPr lang="en-US" baseline="0" dirty="0" err="1" smtClean="0"/>
+              <a:t>hơn</a:t>
+            </a:r>
+            <a:r>
+              <a:rPr lang="en-US" baseline="0" dirty="0" smtClean="0"/>
+              <a:t> so </a:t>
+            </a:r>
+            <a:r>
+              <a:rPr lang="en-US" baseline="0" dirty="0" err="1" smtClean="0"/>
+              <a:t>với</a:t>
+            </a:r>
+            <a:r>
+              <a:rPr lang="en-US" baseline="0" dirty="0" smtClean="0"/>
+              <a:t> POW</a:t>
+            </a:r>
+          </a:p>
+          <a:p>
+            <a:pPr marL="171450" indent="-171450">
+              <a:buFont typeface="Arial" panose="020B0604020202020204" pitchFamily="34" charset="0"/>
+              <a:buChar char="•"/>
+            </a:pPr>
+            <a:r>
+              <a:rPr lang="en-US" dirty="0" err="1" smtClean="0"/>
+              <a:t>Bất</a:t>
+            </a:r>
+            <a:r>
+              <a:rPr lang="en-US" baseline="0" dirty="0" smtClean="0"/>
+              <a:t> </a:t>
+            </a:r>
+            <a:r>
+              <a:rPr lang="en-US" baseline="0" dirty="0" err="1" smtClean="0"/>
+              <a:t>lợi</a:t>
+            </a:r>
+            <a:r>
+              <a:rPr lang="en-US" baseline="0" dirty="0" smtClean="0"/>
+              <a:t>:</a:t>
+            </a:r>
+          </a:p>
+          <a:p>
+            <a:pPr marL="171450" indent="-171450">
+              <a:buFont typeface="Arial" panose="020B0604020202020204" pitchFamily="34" charset="0"/>
+              <a:buChar char="•"/>
+            </a:pPr>
+            <a:r>
+              <a:rPr lang="en-US" baseline="0" dirty="0" smtClean="0"/>
+              <a:t>- </a:t>
+            </a:r>
+            <a:r>
+              <a:rPr lang="en-US" baseline="0" dirty="0" err="1" smtClean="0"/>
+              <a:t>Không</a:t>
+            </a:r>
+            <a:r>
+              <a:rPr lang="en-US" baseline="0" dirty="0" smtClean="0"/>
+              <a:t> </a:t>
+            </a:r>
+            <a:r>
+              <a:rPr lang="en-US" baseline="0" dirty="0" err="1" smtClean="0"/>
+              <a:t>phải</a:t>
+            </a:r>
+            <a:r>
+              <a:rPr lang="en-US" baseline="0" dirty="0" smtClean="0"/>
+              <a:t> node </a:t>
+            </a:r>
+            <a:r>
+              <a:rPr lang="en-US" baseline="0" dirty="0" err="1" smtClean="0"/>
+              <a:t>nào</a:t>
+            </a:r>
+            <a:r>
+              <a:rPr lang="en-US" baseline="0" dirty="0" smtClean="0"/>
+              <a:t> </a:t>
+            </a:r>
+            <a:r>
+              <a:rPr lang="en-US" baseline="0" dirty="0" err="1" smtClean="0"/>
+              <a:t>cũng</a:t>
+            </a:r>
+            <a:r>
+              <a:rPr lang="en-US" baseline="0" dirty="0" smtClean="0"/>
+              <a:t> </a:t>
+            </a:r>
+            <a:r>
+              <a:rPr lang="en-US" baseline="0" dirty="0" err="1" smtClean="0"/>
+              <a:t>có</a:t>
+            </a:r>
+            <a:r>
+              <a:rPr lang="en-US" baseline="0" dirty="0" smtClean="0"/>
+              <a:t> </a:t>
+            </a:r>
+            <a:r>
+              <a:rPr lang="en-US" baseline="0" dirty="0" err="1" smtClean="0"/>
+              <a:t>thể</a:t>
+            </a:r>
+            <a:r>
+              <a:rPr lang="en-US" baseline="0" dirty="0" smtClean="0"/>
+              <a:t> </a:t>
+            </a:r>
+            <a:r>
+              <a:rPr lang="en-US" baseline="0" dirty="0" err="1" smtClean="0"/>
+              <a:t>trở</a:t>
+            </a:r>
+            <a:r>
+              <a:rPr lang="en-US" baseline="0" dirty="0" smtClean="0"/>
+              <a:t> </a:t>
+            </a:r>
+            <a:r>
+              <a:rPr lang="en-US" baseline="0" dirty="0" err="1" smtClean="0"/>
+              <a:t>thành</a:t>
+            </a:r>
+            <a:r>
+              <a:rPr lang="en-US" baseline="0" dirty="0" smtClean="0"/>
+              <a:t> validator: </a:t>
+            </a:r>
+            <a:r>
+              <a:rPr lang="en-US" baseline="0" dirty="0" err="1" smtClean="0"/>
+              <a:t>cần</a:t>
+            </a:r>
+            <a:r>
+              <a:rPr lang="en-US" baseline="0" dirty="0" smtClean="0"/>
+              <a:t> </a:t>
+            </a:r>
+            <a:r>
+              <a:rPr lang="en-US" baseline="0" dirty="0" err="1" smtClean="0"/>
+              <a:t>có</a:t>
+            </a:r>
+            <a:r>
+              <a:rPr lang="en-US" baseline="0" dirty="0" smtClean="0"/>
+              <a:t> </a:t>
+            </a:r>
+            <a:r>
+              <a:rPr lang="en-US" baseline="0" dirty="0" err="1" smtClean="0"/>
+              <a:t>một</a:t>
+            </a:r>
+            <a:r>
+              <a:rPr lang="en-US" baseline="0" dirty="0" smtClean="0"/>
+              <a:t> </a:t>
+            </a:r>
+            <a:r>
+              <a:rPr lang="en-US" baseline="0" dirty="0" err="1" smtClean="0"/>
+              <a:t>số</a:t>
+            </a:r>
+            <a:r>
+              <a:rPr lang="en-US" baseline="0" dirty="0" smtClean="0"/>
+              <a:t> </a:t>
+            </a:r>
+            <a:r>
+              <a:rPr lang="en-US" baseline="0" dirty="0" err="1" smtClean="0"/>
+              <a:t>vốn</a:t>
+            </a:r>
+            <a:r>
+              <a:rPr lang="en-US" baseline="0" dirty="0" smtClean="0"/>
+              <a:t> </a:t>
+            </a:r>
+            <a:r>
+              <a:rPr lang="en-US" baseline="0" dirty="0" err="1" smtClean="0"/>
+              <a:t>tối</a:t>
+            </a:r>
+            <a:r>
+              <a:rPr lang="en-US" baseline="0" dirty="0" smtClean="0"/>
+              <a:t> </a:t>
+            </a:r>
+            <a:r>
+              <a:rPr lang="en-US" baseline="0" dirty="0" err="1" smtClean="0"/>
+              <a:t>thiểu</a:t>
+            </a:r>
+            <a:r>
+              <a:rPr lang="en-US" baseline="0" dirty="0" smtClean="0"/>
+              <a:t> </a:t>
+            </a:r>
+            <a:r>
+              <a:rPr lang="en-US" baseline="0" dirty="0" err="1" smtClean="0"/>
+              <a:t>để</a:t>
+            </a:r>
+            <a:r>
+              <a:rPr lang="en-US" baseline="0" dirty="0" smtClean="0"/>
+              <a:t> </a:t>
+            </a:r>
+            <a:r>
+              <a:rPr lang="en-US" baseline="0" dirty="0" err="1" smtClean="0"/>
+              <a:t>tham</a:t>
+            </a:r>
+            <a:r>
+              <a:rPr lang="en-US" baseline="0" dirty="0" smtClean="0"/>
+              <a:t> </a:t>
+            </a:r>
+            <a:r>
+              <a:rPr lang="en-US" baseline="0" dirty="0" err="1" smtClean="0"/>
+              <a:t>gia</a:t>
+            </a:r>
+            <a:r>
+              <a:rPr lang="en-US" baseline="0" dirty="0" smtClean="0"/>
+              <a:t>, </a:t>
+            </a:r>
+            <a:r>
+              <a:rPr lang="en-US" baseline="0" dirty="0" err="1" smtClean="0"/>
+              <a:t>hệ</a:t>
+            </a:r>
+            <a:r>
+              <a:rPr lang="en-US" baseline="0" dirty="0" smtClean="0"/>
+              <a:t> </a:t>
+            </a:r>
+            <a:r>
+              <a:rPr lang="en-US" baseline="0" dirty="0" err="1" smtClean="0"/>
+              <a:t>thống</a:t>
+            </a:r>
+            <a:r>
+              <a:rPr lang="en-US" baseline="0" dirty="0" smtClean="0"/>
+              <a:t> </a:t>
+            </a:r>
+            <a:r>
+              <a:rPr lang="en-US" baseline="0" dirty="0" err="1" smtClean="0"/>
+              <a:t>phần</a:t>
+            </a:r>
+            <a:r>
+              <a:rPr lang="en-US" baseline="0" dirty="0" smtClean="0"/>
+              <a:t> </a:t>
+            </a:r>
+            <a:r>
+              <a:rPr lang="en-US" baseline="0" dirty="0" err="1" smtClean="0"/>
+              <a:t>cứng</a:t>
+            </a:r>
+            <a:r>
+              <a:rPr lang="en-US" baseline="0" dirty="0" smtClean="0"/>
+              <a:t> </a:t>
+            </a:r>
+            <a:r>
+              <a:rPr lang="en-US" baseline="0" dirty="0" err="1" smtClean="0"/>
+              <a:t>đủ</a:t>
+            </a:r>
+            <a:r>
+              <a:rPr lang="en-US" baseline="0" dirty="0" smtClean="0"/>
+              <a:t> </a:t>
+            </a:r>
+            <a:r>
+              <a:rPr lang="en-US" baseline="0" dirty="0" err="1" smtClean="0"/>
+              <a:t>mạnh</a:t>
+            </a:r>
+            <a:r>
+              <a:rPr lang="en-US" baseline="0" dirty="0" smtClean="0"/>
+              <a:t>, internet </a:t>
+            </a:r>
+            <a:r>
+              <a:rPr lang="en-US" baseline="0" dirty="0" err="1" smtClean="0"/>
+              <a:t>ổn</a:t>
+            </a:r>
+            <a:r>
+              <a:rPr lang="en-US" baseline="0" dirty="0" smtClean="0"/>
+              <a:t> </a:t>
+            </a:r>
+            <a:r>
+              <a:rPr lang="en-US" baseline="0" dirty="0" err="1" smtClean="0"/>
+              <a:t>định</a:t>
+            </a:r>
+            <a:r>
+              <a:rPr lang="en-US" baseline="0" dirty="0" smtClean="0"/>
+              <a:t> </a:t>
+            </a:r>
+            <a:r>
+              <a:rPr lang="en-US" baseline="0" dirty="0" err="1" smtClean="0"/>
+              <a:t>để</a:t>
+            </a:r>
+            <a:r>
+              <a:rPr lang="en-US" baseline="0" dirty="0" smtClean="0"/>
+              <a:t> </a:t>
+            </a:r>
+            <a:r>
+              <a:rPr lang="en-US" baseline="0" dirty="0" err="1" smtClean="0"/>
+              <a:t>vận</a:t>
+            </a:r>
+            <a:r>
+              <a:rPr lang="en-US" baseline="0" dirty="0" smtClean="0"/>
+              <a:t> </a:t>
+            </a:r>
+            <a:r>
+              <a:rPr lang="en-US" baseline="0" dirty="0" err="1" smtClean="0"/>
+              <a:t>hành</a:t>
+            </a:r>
+            <a:r>
+              <a:rPr lang="en-US" baseline="0" dirty="0" smtClean="0"/>
+              <a:t> an </a:t>
+            </a:r>
+            <a:r>
+              <a:rPr lang="en-US" baseline="0" dirty="0" err="1" smtClean="0"/>
+              <a:t>toàn</a:t>
+            </a:r>
+            <a:endParaRPr lang="en-US" baseline="0" dirty="0" smtClean="0"/>
+          </a:p>
+          <a:p>
+            <a:pPr marL="171450" indent="-171450">
+              <a:buFont typeface="Arial" panose="020B0604020202020204" pitchFamily="34" charset="0"/>
+              <a:buChar char="•"/>
+            </a:pPr>
+            <a:r>
+              <a:rPr lang="en-US" baseline="0" dirty="0" smtClean="0"/>
+              <a:t>- Node </a:t>
+            </a:r>
+            <a:r>
+              <a:rPr lang="en-US" baseline="0" dirty="0" err="1" smtClean="0"/>
+              <a:t>đăng</a:t>
+            </a:r>
+            <a:r>
+              <a:rPr lang="en-US" baseline="0" dirty="0" smtClean="0"/>
+              <a:t> </a:t>
+            </a:r>
+            <a:r>
+              <a:rPr lang="en-US" baseline="0" dirty="0" err="1" smtClean="0"/>
+              <a:t>ký</a:t>
+            </a:r>
+            <a:r>
+              <a:rPr lang="en-US" baseline="0" dirty="0" smtClean="0"/>
+              <a:t> </a:t>
+            </a:r>
+            <a:r>
+              <a:rPr lang="en-US" baseline="0" dirty="0" err="1" smtClean="0"/>
+              <a:t>làm</a:t>
+            </a:r>
+            <a:r>
+              <a:rPr lang="en-US" baseline="0" dirty="0" smtClean="0"/>
+              <a:t> validator </a:t>
+            </a:r>
+            <a:r>
+              <a:rPr lang="en-US" baseline="0" dirty="0" err="1" smtClean="0"/>
+              <a:t>cần</a:t>
+            </a:r>
+            <a:r>
+              <a:rPr lang="en-US" baseline="0" dirty="0" smtClean="0"/>
+              <a:t> </a:t>
+            </a:r>
+            <a:r>
+              <a:rPr lang="en-US" baseline="0" dirty="0" err="1" smtClean="0"/>
+              <a:t>có</a:t>
+            </a:r>
+            <a:r>
+              <a:rPr lang="en-US" baseline="0" dirty="0" smtClean="0"/>
+              <a:t> </a:t>
+            </a:r>
+            <a:r>
+              <a:rPr lang="en-US" baseline="0" dirty="0" err="1" smtClean="0"/>
+              <a:t>mạng</a:t>
+            </a:r>
+            <a:r>
+              <a:rPr lang="en-US" baseline="0" dirty="0" smtClean="0"/>
+              <a:t> </a:t>
+            </a:r>
+            <a:r>
+              <a:rPr lang="en-US" baseline="0" dirty="0" err="1" smtClean="0"/>
+              <a:t>lướiinternet</a:t>
+            </a:r>
+            <a:r>
+              <a:rPr lang="en-US" baseline="0" dirty="0" smtClean="0"/>
+              <a:t> connection </a:t>
+            </a:r>
+            <a:r>
+              <a:rPr lang="en-US" baseline="0" dirty="0" err="1" smtClean="0"/>
+              <a:t>ổn</a:t>
+            </a:r>
+            <a:r>
+              <a:rPr lang="en-US" baseline="0" dirty="0" smtClean="0"/>
+              <a:t> </a:t>
+            </a:r>
+            <a:r>
+              <a:rPr lang="en-US" baseline="0" dirty="0" err="1" smtClean="0"/>
+              <a:t>định</a:t>
+            </a:r>
+            <a:r>
+              <a:rPr lang="en-US" baseline="0" dirty="0" smtClean="0"/>
+              <a:t>, </a:t>
+            </a:r>
+            <a:r>
+              <a:rPr lang="en-US" baseline="0" dirty="0" err="1" smtClean="0"/>
+              <a:t>phần</a:t>
+            </a:r>
+            <a:r>
+              <a:rPr lang="en-US" baseline="0" dirty="0" smtClean="0"/>
+              <a:t> </a:t>
+            </a:r>
+            <a:r>
+              <a:rPr lang="en-US" baseline="0" dirty="0" err="1" smtClean="0"/>
+              <a:t>cứng</a:t>
+            </a:r>
+            <a:r>
+              <a:rPr lang="en-US" baseline="0" dirty="0" smtClean="0"/>
+              <a:t> </a:t>
+            </a:r>
+            <a:r>
+              <a:rPr lang="en-US" baseline="0" dirty="0" err="1" smtClean="0"/>
+              <a:t>đủ</a:t>
+            </a:r>
+            <a:r>
+              <a:rPr lang="en-US" baseline="0" dirty="0" smtClean="0"/>
+              <a:t> </a:t>
+            </a:r>
+            <a:r>
+              <a:rPr lang="en-US" baseline="0" dirty="0" err="1" smtClean="0"/>
+              <a:t>mạnh</a:t>
+            </a:r>
+            <a:r>
+              <a:rPr lang="en-US" baseline="0" dirty="0" smtClean="0"/>
+              <a:t> </a:t>
+            </a:r>
+            <a:r>
+              <a:rPr lang="en-US" baseline="0" dirty="0" err="1" smtClean="0"/>
+              <a:t>để</a:t>
+            </a:r>
+            <a:r>
+              <a:rPr lang="en-US" baseline="0" dirty="0" smtClean="0"/>
+              <a:t> </a:t>
+            </a:r>
+            <a:r>
+              <a:rPr lang="en-US" baseline="0" dirty="0" err="1" smtClean="0"/>
+              <a:t>đảm</a:t>
+            </a:r>
+            <a:r>
+              <a:rPr lang="en-US" baseline="0" dirty="0" smtClean="0"/>
+              <a:t> </a:t>
+            </a:r>
+            <a:r>
+              <a:rPr lang="en-US" baseline="0" dirty="0" err="1" smtClean="0"/>
+              <a:t>bảo</a:t>
+            </a:r>
+            <a:r>
+              <a:rPr lang="en-US" baseline="0" dirty="0" smtClean="0"/>
+              <a:t> </a:t>
+            </a:r>
+            <a:r>
+              <a:rPr lang="en-US" baseline="0" dirty="0" err="1" smtClean="0"/>
+              <a:t>chắc</a:t>
+            </a:r>
+            <a:r>
+              <a:rPr lang="en-US" baseline="0" dirty="0" smtClean="0"/>
+              <a:t> </a:t>
+            </a:r>
+            <a:r>
+              <a:rPr lang="en-US" baseline="0" dirty="0" err="1" smtClean="0"/>
+              <a:t>chắn</a:t>
+            </a:r>
+            <a:r>
+              <a:rPr lang="en-US" baseline="0" dirty="0" smtClean="0"/>
+              <a:t> </a:t>
+            </a:r>
+            <a:r>
+              <a:rPr lang="en-US" baseline="0" dirty="0" err="1" smtClean="0"/>
+              <a:t>khả</a:t>
+            </a:r>
+            <a:r>
+              <a:rPr lang="en-US" baseline="0" dirty="0" smtClean="0"/>
+              <a:t> </a:t>
+            </a:r>
+            <a:r>
+              <a:rPr lang="en-US" baseline="0" dirty="0" err="1" smtClean="0"/>
+              <a:t>năng</a:t>
+            </a:r>
+            <a:r>
+              <a:rPr lang="en-US" baseline="0" dirty="0" smtClean="0"/>
+              <a:t> </a:t>
+            </a:r>
+            <a:r>
+              <a:rPr lang="en-US" baseline="0" dirty="0" err="1" smtClean="0"/>
+              <a:t>kết</a:t>
+            </a:r>
+            <a:r>
+              <a:rPr lang="en-US" baseline="0" dirty="0" smtClean="0"/>
+              <a:t> </a:t>
+            </a:r>
+            <a:r>
+              <a:rPr lang="en-US" baseline="0" dirty="0" err="1" smtClean="0"/>
+              <a:t>nối</a:t>
+            </a:r>
+            <a:r>
+              <a:rPr lang="en-US" baseline="0" dirty="0" smtClean="0"/>
+              <a:t> </a:t>
+            </a:r>
+            <a:r>
+              <a:rPr lang="en-US" baseline="0" dirty="0" err="1" smtClean="0"/>
+              <a:t>với</a:t>
+            </a:r>
+            <a:r>
+              <a:rPr lang="en-US" baseline="0" dirty="0" smtClean="0"/>
+              <a:t> </a:t>
+            </a:r>
+            <a:r>
+              <a:rPr lang="en-US" baseline="0" dirty="0" err="1" smtClean="0"/>
+              <a:t>mạng</a:t>
+            </a:r>
+            <a:r>
+              <a:rPr lang="en-US" baseline="0" dirty="0" smtClean="0"/>
+              <a:t> </a:t>
+            </a:r>
+            <a:r>
+              <a:rPr lang="en-US" baseline="0" dirty="0" err="1" smtClean="0"/>
+              <a:t>lưới</a:t>
+            </a:r>
+            <a:r>
+              <a:rPr lang="en-US" baseline="0" dirty="0" smtClean="0"/>
+              <a:t> </a:t>
+            </a:r>
+            <a:r>
+              <a:rPr lang="en-US" baseline="0" dirty="0" err="1" smtClean="0"/>
+              <a:t>và</a:t>
+            </a:r>
+            <a:r>
+              <a:rPr lang="en-US" baseline="0" dirty="0" smtClean="0"/>
+              <a:t> </a:t>
+            </a:r>
+            <a:r>
+              <a:rPr lang="en-US" baseline="0" dirty="0" err="1" smtClean="0"/>
+              <a:t>xác</a:t>
+            </a:r>
+            <a:r>
+              <a:rPr lang="en-US" baseline="0" dirty="0" smtClean="0"/>
+              <a:t> </a:t>
+            </a:r>
+            <a:r>
+              <a:rPr lang="en-US" baseline="0" dirty="0" err="1" smtClean="0"/>
+              <a:t>thực</a:t>
+            </a:r>
+            <a:r>
+              <a:rPr lang="en-US" baseline="0" dirty="0" smtClean="0"/>
+              <a:t> </a:t>
+            </a:r>
+            <a:r>
+              <a:rPr lang="en-US" baseline="0" dirty="0" err="1" smtClean="0"/>
+              <a:t>giao</a:t>
+            </a:r>
+            <a:r>
+              <a:rPr lang="en-US" baseline="0" dirty="0" smtClean="0"/>
+              <a:t> </a:t>
+            </a:r>
+            <a:r>
+              <a:rPr lang="en-US" baseline="0" dirty="0" err="1" smtClean="0"/>
+              <a:t>dịch</a:t>
+            </a:r>
+            <a:r>
+              <a:rPr lang="en-US" baseline="0" dirty="0" smtClean="0"/>
+              <a:t>, </a:t>
+            </a:r>
+            <a:r>
+              <a:rPr lang="en-US" baseline="0" dirty="0" err="1" smtClean="0"/>
+              <a:t>tạo</a:t>
+            </a:r>
+            <a:r>
+              <a:rPr lang="en-US" baseline="0" dirty="0" smtClean="0"/>
+              <a:t> block </a:t>
+            </a:r>
+            <a:r>
+              <a:rPr lang="en-US" baseline="0" dirty="0" err="1" smtClean="0"/>
+              <a:t>mới</a:t>
+            </a:r>
+            <a:r>
+              <a:rPr lang="en-US" baseline="0" dirty="0" smtClean="0"/>
+              <a:t>. Do </a:t>
+            </a:r>
+            <a:r>
+              <a:rPr lang="en-US" baseline="0" dirty="0" err="1" smtClean="0"/>
+              <a:t>khi</a:t>
+            </a:r>
+            <a:r>
+              <a:rPr lang="en-US" baseline="0" dirty="0" smtClean="0"/>
+              <a:t> </a:t>
+            </a:r>
+            <a:r>
+              <a:rPr lang="en-US" baseline="0" dirty="0" err="1" smtClean="0"/>
+              <a:t>đã</a:t>
+            </a:r>
+            <a:r>
+              <a:rPr lang="en-US" baseline="0" dirty="0" smtClean="0"/>
+              <a:t> </a:t>
+            </a:r>
+            <a:r>
+              <a:rPr lang="en-US" baseline="0" dirty="0" err="1" smtClean="0"/>
+              <a:t>được</a:t>
+            </a:r>
+            <a:r>
+              <a:rPr lang="en-US" baseline="0" dirty="0" smtClean="0"/>
+              <a:t> </a:t>
+            </a:r>
+            <a:r>
+              <a:rPr lang="en-US" baseline="0" dirty="0" err="1" smtClean="0"/>
+              <a:t>chọn</a:t>
+            </a:r>
+            <a:r>
+              <a:rPr lang="en-US" baseline="0" dirty="0" smtClean="0"/>
+              <a:t> </a:t>
+            </a:r>
+            <a:r>
+              <a:rPr lang="en-US" baseline="0" dirty="0" err="1" smtClean="0"/>
+              <a:t>làm</a:t>
+            </a:r>
+            <a:r>
+              <a:rPr lang="en-US" baseline="0" dirty="0" smtClean="0"/>
+              <a:t> validator, </a:t>
+            </a:r>
+            <a:r>
+              <a:rPr lang="en-US" baseline="0" dirty="0" err="1" smtClean="0"/>
+              <a:t>nếu</a:t>
+            </a:r>
+            <a:r>
+              <a:rPr lang="en-US" baseline="0" dirty="0" smtClean="0"/>
+              <a:t> </a:t>
+            </a:r>
+            <a:r>
+              <a:rPr lang="en-US" baseline="0" dirty="0" err="1" smtClean="0"/>
+              <a:t>thất</a:t>
+            </a:r>
+            <a:r>
+              <a:rPr lang="en-US" baseline="0" dirty="0" smtClean="0"/>
+              <a:t> </a:t>
+            </a:r>
+            <a:r>
+              <a:rPr lang="en-US" baseline="0" dirty="0" err="1" smtClean="0"/>
+              <a:t>bại</a:t>
+            </a:r>
+            <a:r>
+              <a:rPr lang="en-US" baseline="0" dirty="0" smtClean="0"/>
+              <a:t> </a:t>
+            </a:r>
+            <a:r>
+              <a:rPr lang="en-US" baseline="0" dirty="0" err="1" smtClean="0"/>
+              <a:t>trong</a:t>
+            </a:r>
+            <a:r>
+              <a:rPr lang="en-US" baseline="0" dirty="0" smtClean="0"/>
+              <a:t> </a:t>
+            </a:r>
+            <a:r>
+              <a:rPr lang="en-US" baseline="0" dirty="0" err="1" smtClean="0"/>
+              <a:t>việc</a:t>
+            </a:r>
+            <a:r>
+              <a:rPr lang="en-US" baseline="0" dirty="0" smtClean="0"/>
+              <a:t> </a:t>
+            </a:r>
+            <a:r>
+              <a:rPr lang="en-US" baseline="0" dirty="0" err="1" smtClean="0"/>
+              <a:t>xác</a:t>
+            </a:r>
+            <a:r>
+              <a:rPr lang="en-US" baseline="0" dirty="0" smtClean="0"/>
+              <a:t> </a:t>
+            </a:r>
+            <a:r>
+              <a:rPr lang="en-US" baseline="0" dirty="0" err="1" smtClean="0"/>
+              <a:t>thực</a:t>
+            </a:r>
+            <a:r>
+              <a:rPr lang="en-US" baseline="0" dirty="0" smtClean="0"/>
+              <a:t> </a:t>
+            </a:r>
+            <a:r>
+              <a:rPr lang="en-US" baseline="0" dirty="0" err="1" smtClean="0"/>
+              <a:t>giao</a:t>
+            </a:r>
+            <a:r>
+              <a:rPr lang="en-US" baseline="0" dirty="0" smtClean="0"/>
+              <a:t> </a:t>
+            </a:r>
+            <a:r>
+              <a:rPr lang="en-US" baseline="0" dirty="0" err="1" smtClean="0"/>
+              <a:t>dịch</a:t>
+            </a:r>
+            <a:r>
+              <a:rPr lang="en-US" baseline="0" dirty="0" smtClean="0"/>
+              <a:t> </a:t>
+            </a:r>
+            <a:r>
+              <a:rPr lang="en-US" baseline="0" dirty="0" err="1" smtClean="0"/>
+              <a:t>và</a:t>
+            </a:r>
+            <a:r>
+              <a:rPr lang="en-US" baseline="0" dirty="0" smtClean="0"/>
+              <a:t> </a:t>
+            </a:r>
+            <a:r>
+              <a:rPr lang="en-US" baseline="0" dirty="0" err="1" smtClean="0"/>
+              <a:t>tạo</a:t>
+            </a:r>
+            <a:r>
+              <a:rPr lang="en-US" baseline="0" dirty="0" smtClean="0"/>
+              <a:t> block, validator </a:t>
+            </a:r>
+            <a:r>
+              <a:rPr lang="en-US" baseline="0" dirty="0" err="1" smtClean="0"/>
+              <a:t>sẽ</a:t>
+            </a:r>
+            <a:r>
+              <a:rPr lang="en-US" baseline="0" dirty="0" smtClean="0"/>
+              <a:t> </a:t>
+            </a:r>
+            <a:r>
+              <a:rPr lang="en-US" baseline="0" dirty="0" err="1" smtClean="0"/>
+              <a:t>bị</a:t>
+            </a:r>
+            <a:r>
+              <a:rPr lang="en-US" baseline="0" dirty="0" smtClean="0"/>
+              <a:t> </a:t>
+            </a:r>
+            <a:r>
+              <a:rPr lang="en-US" baseline="0" dirty="0" err="1" smtClean="0"/>
+              <a:t>phạt</a:t>
+            </a:r>
+            <a:r>
+              <a:rPr lang="en-US" baseline="0" dirty="0" smtClean="0"/>
+              <a:t> </a:t>
+            </a:r>
+            <a:r>
+              <a:rPr lang="en-US" baseline="0" dirty="0" err="1" smtClean="0"/>
+              <a:t>và</a:t>
+            </a:r>
+            <a:r>
+              <a:rPr lang="en-US" baseline="0" dirty="0" smtClean="0"/>
+              <a:t> </a:t>
+            </a:r>
+            <a:r>
+              <a:rPr lang="en-US" baseline="0" dirty="0" err="1" smtClean="0"/>
+              <a:t>mất</a:t>
+            </a:r>
+            <a:r>
+              <a:rPr lang="en-US" baseline="0" dirty="0" smtClean="0"/>
+              <a:t> </a:t>
+            </a:r>
+            <a:r>
+              <a:rPr lang="en-US" baseline="0" dirty="0" err="1" smtClean="0"/>
+              <a:t>một</a:t>
+            </a:r>
+            <a:r>
+              <a:rPr lang="en-US" baseline="0" dirty="0" smtClean="0"/>
+              <a:t> </a:t>
+            </a:r>
+            <a:r>
+              <a:rPr lang="en-US" baseline="0" dirty="0" err="1" smtClean="0"/>
+              <a:t>số</a:t>
+            </a:r>
+            <a:r>
+              <a:rPr lang="en-US" baseline="0" dirty="0" smtClean="0"/>
+              <a:t> </a:t>
+            </a:r>
+            <a:r>
+              <a:rPr lang="en-US" baseline="0" dirty="0" err="1" smtClean="0"/>
+              <a:t>tiền</a:t>
+            </a:r>
+            <a:r>
+              <a:rPr lang="en-US" baseline="0" dirty="0" smtClean="0"/>
+              <a:t> </a:t>
+            </a:r>
+            <a:r>
+              <a:rPr lang="en-US" baseline="0" dirty="0" err="1" smtClean="0"/>
+              <a:t>trong</a:t>
+            </a:r>
+            <a:r>
+              <a:rPr lang="en-US" baseline="0" dirty="0" smtClean="0"/>
+              <a:t> </a:t>
+            </a:r>
+            <a:r>
+              <a:rPr lang="en-US" baseline="0" dirty="0" err="1" smtClean="0"/>
+              <a:t>số</a:t>
+            </a:r>
+            <a:r>
+              <a:rPr lang="en-US" baseline="0" dirty="0" smtClean="0"/>
+              <a:t> </a:t>
+            </a:r>
+            <a:r>
+              <a:rPr lang="en-US" baseline="0" dirty="0" err="1" smtClean="0"/>
+              <a:t>tiền</a:t>
+            </a:r>
+            <a:r>
+              <a:rPr lang="en-US" baseline="0" dirty="0" smtClean="0"/>
+              <a:t> </a:t>
+            </a:r>
+            <a:r>
+              <a:rPr lang="en-US" baseline="0" dirty="0" err="1" smtClean="0"/>
+              <a:t>họ</a:t>
+            </a:r>
+            <a:r>
+              <a:rPr lang="en-US" baseline="0" dirty="0" smtClean="0"/>
+              <a:t> </a:t>
+            </a:r>
+            <a:r>
+              <a:rPr lang="en-US" baseline="0" dirty="0" err="1" smtClean="0"/>
+              <a:t>đặt</a:t>
+            </a:r>
+            <a:r>
+              <a:rPr lang="en-US" baseline="0" dirty="0" smtClean="0"/>
+              <a:t> </a:t>
+            </a:r>
+            <a:r>
+              <a:rPr lang="en-US" baseline="0" dirty="0" err="1" smtClean="0"/>
+              <a:t>vào</a:t>
+            </a:r>
+            <a:r>
+              <a:rPr lang="en-US" baseline="0" dirty="0" smtClean="0"/>
+              <a:t> </a:t>
             </a:r>
             <a:endParaRPr lang="en-US" dirty="0"/>
           </a:p>
@@ -9222,7 +10543,7 @@
           <a:p>
             <a:fld id="{4F7DB7AC-7014-4255-B22C-FF2A3ACAF817}" type="datetimeFigureOut">
               <a:rPr lang="en-US" smtClean="0"/>
-              <a:t>12/17/2021</a:t>
+              <a:t>12/20/2021</a:t>
             </a:fld>
             <a:endParaRPr lang="en-US"/>
           </a:p>
@@ -9560,7 +10881,7 @@
           <a:p>
             <a:fld id="{4F7DB7AC-7014-4255-B22C-FF2A3ACAF817}" type="datetimeFigureOut">
               <a:rPr lang="en-US" smtClean="0"/>
-              <a:t>12/17/2021</a:t>
+              <a:t>12/20/2021</a:t>
             </a:fld>
             <a:endParaRPr lang="en-US"/>
           </a:p>
@@ -9961,7 +11282,7 @@
           <a:p>
             <a:fld id="{4F7DB7AC-7014-4255-B22C-FF2A3ACAF817}" type="datetimeFigureOut">
               <a:rPr lang="en-US" smtClean="0"/>
-              <a:t>12/17/2021</a:t>
+              <a:t>12/20/2021</a:t>
             </a:fld>
             <a:endParaRPr lang="en-US"/>
           </a:p>
@@ -10297,7 +11618,7 @@
           <a:p>
             <a:fld id="{4F7DB7AC-7014-4255-B22C-FF2A3ACAF817}" type="datetimeFigureOut">
               <a:rPr lang="en-US" smtClean="0"/>
-              <a:t>12/17/2021</a:t>
+              <a:t>12/20/2021</a:t>
             </a:fld>
             <a:endParaRPr lang="en-US"/>
           </a:p>
@@ -10617,7 +11938,7 @@
           <a:p>
             <a:fld id="{4F7DB7AC-7014-4255-B22C-FF2A3ACAF817}" type="datetimeFigureOut">
               <a:rPr lang="en-US" smtClean="0"/>
-              <a:t>12/17/2021</a:t>
+              <a:t>12/20/2021</a:t>
             </a:fld>
             <a:endParaRPr lang="en-US"/>
           </a:p>
@@ -11013,7 +12334,7 @@
           <a:p>
             <a:fld id="{4F7DB7AC-7014-4255-B22C-FF2A3ACAF817}" type="datetimeFigureOut">
               <a:rPr lang="en-US" smtClean="0"/>
-              <a:t>12/17/2021</a:t>
+              <a:t>12/20/2021</a:t>
             </a:fld>
             <a:endParaRPr lang="en-US"/>
           </a:p>
@@ -11270,7 +12591,7 @@
           <a:p>
             <a:fld id="{4F7DB7AC-7014-4255-B22C-FF2A3ACAF817}" type="datetimeFigureOut">
               <a:rPr lang="en-US" smtClean="0"/>
-              <a:t>12/17/2021</a:t>
+              <a:t>12/20/2021</a:t>
             </a:fld>
             <a:endParaRPr lang="en-US"/>
           </a:p>
@@ -11532,7 +12853,7 @@
           <a:p>
             <a:fld id="{4F7DB7AC-7014-4255-B22C-FF2A3ACAF817}" type="datetimeFigureOut">
               <a:rPr lang="en-US" smtClean="0"/>
-              <a:t>12/17/2021</a:t>
+              <a:t>12/20/2021</a:t>
             </a:fld>
             <a:endParaRPr lang="en-US"/>
           </a:p>
@@ -11794,7 +13115,7 @@
           <a:p>
             <a:fld id="{4F7DB7AC-7014-4255-B22C-FF2A3ACAF817}" type="datetimeFigureOut">
               <a:rPr lang="en-US" smtClean="0"/>
-              <a:t>12/17/2021</a:t>
+              <a:t>12/20/2021</a:t>
             </a:fld>
             <a:endParaRPr lang="en-US"/>
           </a:p>
@@ -12123,7 +13444,7 @@
           <a:p>
             <a:fld id="{4F7DB7AC-7014-4255-B22C-FF2A3ACAF817}" type="datetimeFigureOut">
               <a:rPr lang="en-US" smtClean="0"/>
-              <a:t>12/17/2021</a:t>
+              <a:t>12/20/2021</a:t>
             </a:fld>
             <a:endParaRPr lang="en-US"/>
           </a:p>
@@ -12446,7 +13767,7 @@
           <a:p>
             <a:fld id="{4F7DB7AC-7014-4255-B22C-FF2A3ACAF817}" type="datetimeFigureOut">
               <a:rPr lang="en-US" smtClean="0"/>
-              <a:t>12/17/2021</a:t>
+              <a:t>12/20/2021</a:t>
             </a:fld>
             <a:endParaRPr lang="en-US"/>
           </a:p>
@@ -12903,7 +14224,7 @@
           <a:p>
             <a:fld id="{4F7DB7AC-7014-4255-B22C-FF2A3ACAF817}" type="datetimeFigureOut">
               <a:rPr lang="en-US" smtClean="0"/>
-              <a:t>12/17/2021</a:t>
+              <a:t>12/20/2021</a:t>
             </a:fld>
             <a:endParaRPr lang="en-US"/>
           </a:p>
@@ -13108,7 +14429,7 @@
           <a:p>
             <a:fld id="{4F7DB7AC-7014-4255-B22C-FF2A3ACAF817}" type="datetimeFigureOut">
               <a:rPr lang="en-US" smtClean="0"/>
-              <a:t>12/17/2021</a:t>
+              <a:t>12/20/2021</a:t>
             </a:fld>
             <a:endParaRPr lang="en-US"/>
           </a:p>
@@ -13285,7 +14606,7 @@
           <a:p>
             <a:fld id="{4F7DB7AC-7014-4255-B22C-FF2A3ACAF817}" type="datetimeFigureOut">
               <a:rPr lang="en-US" smtClean="0"/>
-              <a:t>12/17/2021</a:t>
+              <a:t>12/20/2021</a:t>
             </a:fld>
             <a:endParaRPr lang="en-US"/>
           </a:p>
@@ -13618,7 +14939,7 @@
           <a:p>
             <a:fld id="{4F7DB7AC-7014-4255-B22C-FF2A3ACAF817}" type="datetimeFigureOut">
               <a:rPr lang="en-US" smtClean="0"/>
-              <a:t>12/17/2021</a:t>
+              <a:t>12/20/2021</a:t>
             </a:fld>
             <a:endParaRPr lang="en-US"/>
           </a:p>
@@ -13963,7 +15284,7 @@
           <a:p>
             <a:fld id="{4F7DB7AC-7014-4255-B22C-FF2A3ACAF817}" type="datetimeFigureOut">
               <a:rPr lang="en-US" smtClean="0"/>
-              <a:t>12/17/2021</a:t>
+              <a:t>12/20/2021</a:t>
             </a:fld>
             <a:endParaRPr lang="en-US"/>
           </a:p>
@@ -16080,7 +17401,7 @@
           <a:p>
             <a:fld id="{4F7DB7AC-7014-4255-B22C-FF2A3ACAF817}" type="datetimeFigureOut">
               <a:rPr lang="en-US" smtClean="0"/>
-              <a:t>12/17/2021</a:t>
+              <a:t>12/20/2021</a:t>
             </a:fld>
             <a:endParaRPr lang="en-US"/>
           </a:p>
@@ -17147,7 +18468,13 @@
       </p:grpSpPr>
       <p:sp>
         <p:nvSpPr>
-          <p:cNvPr id="2" name="Title 1"/>
+          <p:cNvPr id="2" name="Title 1">
+            <a:extLst>
+              <a:ext uri="{FF2B5EF4-FFF2-40B4-BE49-F238E27FC236}">
+                <a16:creationId xmlns:a16="http://schemas.microsoft.com/office/drawing/2014/main" id="{8EC9598C-A429-4B07-9E9B-833D3BFA305A}"/>
+              </a:ext>
+            </a:extLst>
+          </p:cNvPr>
           <p:cNvSpPr>
             <a:spLocks noGrp="1"/>
           </p:cNvSpPr>
@@ -17162,7 +18489,7 @@
           <a:p>
             <a:r>
               <a:rPr lang="en-US" dirty="0" smtClean="0"/>
-              <a:t>Smart contract</a:t>
+              <a:t>Smashing coin</a:t>
             </a:r>
             <a:endParaRPr lang="en-US" dirty="0"/>
           </a:p>
@@ -17170,7 +18497,13 @@
       </p:sp>
       <p:sp>
         <p:nvSpPr>
-          <p:cNvPr id="3" name="Content Placeholder 2"/>
+          <p:cNvPr id="3" name="Content Placeholder 2">
+            <a:extLst>
+              <a:ext uri="{FF2B5EF4-FFF2-40B4-BE49-F238E27FC236}">
+                <a16:creationId xmlns:a16="http://schemas.microsoft.com/office/drawing/2014/main" id="{8E330789-7CA7-4D48-B0CD-2AF365588624}"/>
+              </a:ext>
+            </a:extLst>
+          </p:cNvPr>
           <p:cNvSpPr>
             <a:spLocks noGrp="1"/>
           </p:cNvSpPr>
@@ -17178,19 +18511,47 @@
             <p:ph idx="1"/>
           </p:nvPr>
         </p:nvSpPr>
-        <p:spPr/>
+        <p:spPr>
+          <a:xfrm>
+            <a:off x="1643640" y="1905000"/>
+            <a:ext cx="8915400" cy="3777622"/>
+          </a:xfrm>
+        </p:spPr>
         <p:txBody>
           <a:bodyPr/>
           <a:lstStyle/>
           <a:p>
-            <a:endParaRPr lang="en-US"/>
+            <a:r>
+              <a:rPr lang="en-US" dirty="0" smtClean="0"/>
+              <a:t>Demo for creating a </a:t>
+            </a:r>
+            <a:r>
+              <a:rPr lang="en-US" smtClean="0"/>
+              <a:t>simple block chain</a:t>
+            </a:r>
+            <a:endParaRPr lang="en-US" dirty="0" smtClean="0"/>
+          </a:p>
+          <a:p>
+            <a:r>
+              <a:rPr lang="en-US" dirty="0" smtClean="0">
+                <a:hlinkClick r:id="rId2"/>
+              </a:rPr>
+              <a:t>https</a:t>
+            </a:r>
+            <a:r>
+              <a:rPr lang="en-US" dirty="0">
+                <a:hlinkClick r:id="rId2"/>
+              </a:rPr>
+              <a:t>://gitlab.com/quyetdong/smashing-coin-patched</a:t>
+            </a:r>
+            <a:endParaRPr lang="en-US" dirty="0"/>
           </a:p>
         </p:txBody>
       </p:sp>
     </p:spTree>
     <p:extLst>
       <p:ext uri="{BB962C8B-B14F-4D97-AF65-F5344CB8AC3E}">
-        <p14:creationId xmlns:p14="http://schemas.microsoft.com/office/powerpoint/2010/main" val="413319662"/>
+        <p14:creationId xmlns:p14="http://schemas.microsoft.com/office/powerpoint/2010/main" val="337918606"/>
       </p:ext>
     </p:extLst>
   </p:cSld>
@@ -17227,6 +18588,186 @@
             <p:ph type="title"/>
           </p:nvPr>
         </p:nvSpPr>
+        <p:spPr/>
+        <p:txBody>
+          <a:bodyPr/>
+          <a:lstStyle/>
+          <a:p>
+            <a:endParaRPr lang="en-US"/>
+          </a:p>
+        </p:txBody>
+      </p:sp>
+      <p:sp>
+        <p:nvSpPr>
+          <p:cNvPr id="3" name="Content Placeholder 2"/>
+          <p:cNvSpPr>
+            <a:spLocks noGrp="1"/>
+          </p:cNvSpPr>
+          <p:nvPr>
+            <p:ph idx="1"/>
+          </p:nvPr>
+        </p:nvSpPr>
+        <p:spPr/>
+        <p:txBody>
+          <a:bodyPr/>
+          <a:lstStyle/>
+          <a:p>
+            <a:endParaRPr lang="en-US"/>
+          </a:p>
+        </p:txBody>
+      </p:sp>
+    </p:spTree>
+    <p:extLst>
+      <p:ext uri="{BB962C8B-B14F-4D97-AF65-F5344CB8AC3E}">
+        <p14:creationId xmlns:p14="http://schemas.microsoft.com/office/powerpoint/2010/main" val="1326666618"/>
+      </p:ext>
+    </p:extLst>
+  </p:cSld>
+  <p:clrMapOvr>
+    <a:masterClrMapping/>
+  </p:clrMapOvr>
+</p:sld>
+</file>
+
+<file path=ppt/slides/slide14.xml><?xml version="1.0" encoding="utf-8"?>
+<p:sld xmlns:a="http://schemas.openxmlformats.org/drawingml/2006/main" xmlns:r="http://schemas.openxmlformats.org/officeDocument/2006/relationships" xmlns:p="http://schemas.openxmlformats.org/presentationml/2006/main">
+  <p:cSld>
+    <p:spTree>
+      <p:nvGrpSpPr>
+        <p:cNvPr id="1" name=""/>
+        <p:cNvGrpSpPr/>
+        <p:nvPr/>
+      </p:nvGrpSpPr>
+      <p:grpSpPr>
+        <a:xfrm>
+          <a:off x="0" y="0"/>
+          <a:ext cx="0" cy="0"/>
+          <a:chOff x="0" y="0"/>
+          <a:chExt cx="0" cy="0"/>
+        </a:xfrm>
+      </p:grpSpPr>
+      <p:sp>
+        <p:nvSpPr>
+          <p:cNvPr id="2" name="Title 1"/>
+          <p:cNvSpPr>
+            <a:spLocks noGrp="1"/>
+          </p:cNvSpPr>
+          <p:nvPr>
+            <p:ph type="title"/>
+          </p:nvPr>
+        </p:nvSpPr>
+        <p:spPr/>
+        <p:txBody>
+          <a:bodyPr/>
+          <a:lstStyle/>
+          <a:p>
+            <a:r>
+              <a:rPr lang="en-US" dirty="0" smtClean="0"/>
+              <a:t>Smart contract</a:t>
+            </a:r>
+            <a:endParaRPr lang="en-US" dirty="0"/>
+          </a:p>
+        </p:txBody>
+      </p:sp>
+      <p:sp>
+        <p:nvSpPr>
+          <p:cNvPr id="3" name="Content Placeholder 2"/>
+          <p:cNvSpPr>
+            <a:spLocks noGrp="1"/>
+          </p:cNvSpPr>
+          <p:nvPr>
+            <p:ph idx="1"/>
+          </p:nvPr>
+        </p:nvSpPr>
+        <p:spPr>
+          <a:xfrm>
+            <a:off x="1799503" y="1468581"/>
+            <a:ext cx="8915400" cy="3777622"/>
+          </a:xfrm>
+        </p:spPr>
+        <p:txBody>
+          <a:bodyPr/>
+          <a:lstStyle/>
+          <a:p>
+            <a:endParaRPr lang="en-US" dirty="0" smtClean="0"/>
+          </a:p>
+          <a:p>
+            <a:r>
+              <a:rPr lang="en-US" dirty="0" smtClean="0"/>
+              <a:t>A tiny computer program that is stored inside a </a:t>
+            </a:r>
+            <a:r>
+              <a:rPr lang="en-US" dirty="0" err="1" smtClean="0"/>
+              <a:t>blockchain</a:t>
+            </a:r>
+            <a:endParaRPr lang="en-US" dirty="0"/>
+          </a:p>
+        </p:txBody>
+      </p:sp>
+      <p:pic>
+        <p:nvPicPr>
+          <p:cNvPr id="4" name="Picture 3"/>
+          <p:cNvPicPr>
+            <a:picLocks noChangeAspect="1"/>
+          </p:cNvPicPr>
+          <p:nvPr/>
+        </p:nvPicPr>
+        <p:blipFill>
+          <a:blip r:embed="rId3"/>
+          <a:stretch>
+            <a:fillRect/>
+          </a:stretch>
+        </p:blipFill>
+        <p:spPr>
+          <a:xfrm>
+            <a:off x="2431473" y="2603304"/>
+            <a:ext cx="6525491" cy="1910556"/>
+          </a:xfrm>
+          <a:prstGeom prst="rect">
+            <a:avLst/>
+          </a:prstGeom>
+        </p:spPr>
+      </p:pic>
+    </p:spTree>
+    <p:extLst>
+      <p:ext uri="{BB962C8B-B14F-4D97-AF65-F5344CB8AC3E}">
+        <p14:creationId xmlns:p14="http://schemas.microsoft.com/office/powerpoint/2010/main" val="413319662"/>
+      </p:ext>
+    </p:extLst>
+  </p:cSld>
+  <p:clrMapOvr>
+    <a:masterClrMapping/>
+  </p:clrMapOvr>
+</p:sld>
+</file>
+
+<file path=ppt/slides/slide15.xml><?xml version="1.0" encoding="utf-8"?>
+<p:sld xmlns:a="http://schemas.openxmlformats.org/drawingml/2006/main" xmlns:r="http://schemas.openxmlformats.org/officeDocument/2006/relationships" xmlns:p="http://schemas.openxmlformats.org/presentationml/2006/main">
+  <p:cSld>
+    <p:spTree>
+      <p:nvGrpSpPr>
+        <p:cNvPr id="1" name=""/>
+        <p:cNvGrpSpPr/>
+        <p:nvPr/>
+      </p:nvGrpSpPr>
+      <p:grpSpPr>
+        <a:xfrm>
+          <a:off x="0" y="0"/>
+          <a:ext cx="0" cy="0"/>
+          <a:chOff x="0" y="0"/>
+          <a:chExt cx="0" cy="0"/>
+        </a:xfrm>
+      </p:grpSpPr>
+      <p:sp>
+        <p:nvSpPr>
+          <p:cNvPr id="2" name="Title 1"/>
+          <p:cNvSpPr>
+            <a:spLocks noGrp="1"/>
+          </p:cNvSpPr>
+          <p:nvPr>
+            <p:ph type="title"/>
+          </p:nvPr>
+        </p:nvSpPr>
         <p:spPr>
           <a:xfrm>
             <a:off x="2589212" y="671735"/>
@@ -17309,7 +18850,7 @@
 </p:sld>
 </file>
 
-<file path=ppt/slides/slide14.xml><?xml version="1.0" encoding="utf-8"?>
+<file path=ppt/slides/slide16.xml><?xml version="1.0" encoding="utf-8"?>
 <p:sld xmlns:a="http://schemas.openxmlformats.org/drawingml/2006/main" xmlns:r="http://schemas.openxmlformats.org/officeDocument/2006/relationships" xmlns:p="http://schemas.openxmlformats.org/presentationml/2006/main">
   <p:cSld>
     <p:spTree>
@@ -17433,7 +18974,7 @@
 </p:sld>
 </file>
 
-<file path=ppt/slides/slide15.xml><?xml version="1.0" encoding="utf-8"?>
+<file path=ppt/slides/slide17.xml><?xml version="1.0" encoding="utf-8"?>
 <p:sld xmlns:a="http://schemas.openxmlformats.org/drawingml/2006/main" xmlns:r="http://schemas.openxmlformats.org/officeDocument/2006/relationships" xmlns:p="http://schemas.openxmlformats.org/presentationml/2006/main">
   <p:cSld>
     <p:spTree>
@@ -17558,7 +19099,7 @@
 </p:sld>
 </file>
 
-<file path=ppt/slides/slide16.xml><?xml version="1.0" encoding="utf-8"?>
+<file path=ppt/slides/slide18.xml><?xml version="1.0" encoding="utf-8"?>
 <p:sld xmlns:a="http://schemas.openxmlformats.org/drawingml/2006/main" xmlns:r="http://schemas.openxmlformats.org/officeDocument/2006/relationships" xmlns:p="http://schemas.openxmlformats.org/presentationml/2006/main">
   <p:cSld>
     <p:spTree>
@@ -17790,7 +19331,7 @@
 </p:sld>
 </file>
 
-<file path=ppt/slides/slide17.xml><?xml version="1.0" encoding="utf-8"?>
+<file path=ppt/slides/slide19.xml><?xml version="1.0" encoding="utf-8"?>
 <p:sld xmlns:a="http://schemas.openxmlformats.org/drawingml/2006/main" xmlns:r="http://schemas.openxmlformats.org/officeDocument/2006/relationships" xmlns:p="http://schemas.openxmlformats.org/presentationml/2006/main">
   <p:cSld>
     <p:spTree>
@@ -17854,7 +19395,7 @@
         </p:nvSpPr>
         <p:spPr>
           <a:xfrm>
-            <a:off x="1718355" y="1905000"/>
+            <a:off x="1697574" y="1887682"/>
             <a:ext cx="8915400" cy="3777622"/>
           </a:xfrm>
         </p:spPr>
@@ -17884,86 +19425,6 @@
     <p:extLst>
       <p:ext uri="{BB962C8B-B14F-4D97-AF65-F5344CB8AC3E}">
         <p14:creationId xmlns:p14="http://schemas.microsoft.com/office/powerpoint/2010/main" val="1750278611"/>
-      </p:ext>
-    </p:extLst>
-  </p:cSld>
-  <p:clrMapOvr>
-    <a:masterClrMapping/>
-  </p:clrMapOvr>
-</p:sld>
-</file>
-
-<file path=ppt/slides/slide18.xml><?xml version="1.0" encoding="utf-8"?>
-<p:sld xmlns:a="http://schemas.openxmlformats.org/drawingml/2006/main" xmlns:r="http://schemas.openxmlformats.org/officeDocument/2006/relationships" xmlns:p="http://schemas.openxmlformats.org/presentationml/2006/main">
-  <p:cSld>
-    <p:spTree>
-      <p:nvGrpSpPr>
-        <p:cNvPr id="1" name=""/>
-        <p:cNvGrpSpPr/>
-        <p:nvPr/>
-      </p:nvGrpSpPr>
-      <p:grpSpPr>
-        <a:xfrm>
-          <a:off x="0" y="0"/>
-          <a:ext cx="0" cy="0"/>
-          <a:chOff x="0" y="0"/>
-          <a:chExt cx="0" cy="0"/>
-        </a:xfrm>
-      </p:grpSpPr>
-      <p:sp>
-        <p:nvSpPr>
-          <p:cNvPr id="2" name="Title 1">
-            <a:extLst>
-              <a:ext uri="{FF2B5EF4-FFF2-40B4-BE49-F238E27FC236}">
-                <a16:creationId xmlns:a16="http://schemas.microsoft.com/office/drawing/2014/main" id="{8EC9598C-A429-4B07-9E9B-833D3BFA305A}"/>
-              </a:ext>
-            </a:extLst>
-          </p:cNvPr>
-          <p:cNvSpPr>
-            <a:spLocks noGrp="1"/>
-          </p:cNvSpPr>
-          <p:nvPr>
-            <p:ph type="title"/>
-          </p:nvPr>
-        </p:nvSpPr>
-        <p:spPr/>
-        <p:txBody>
-          <a:bodyPr/>
-          <a:lstStyle/>
-          <a:p>
-            <a:endParaRPr lang="en-US"/>
-          </a:p>
-        </p:txBody>
-      </p:sp>
-      <p:sp>
-        <p:nvSpPr>
-          <p:cNvPr id="3" name="Content Placeholder 2">
-            <a:extLst>
-              <a:ext uri="{FF2B5EF4-FFF2-40B4-BE49-F238E27FC236}">
-                <a16:creationId xmlns:a16="http://schemas.microsoft.com/office/drawing/2014/main" id="{8E330789-7CA7-4D48-B0CD-2AF365588624}"/>
-              </a:ext>
-            </a:extLst>
-          </p:cNvPr>
-          <p:cNvSpPr>
-            <a:spLocks noGrp="1"/>
-          </p:cNvSpPr>
-          <p:nvPr>
-            <p:ph idx="1"/>
-          </p:nvPr>
-        </p:nvSpPr>
-        <p:spPr/>
-        <p:txBody>
-          <a:bodyPr/>
-          <a:lstStyle/>
-          <a:p>
-            <a:endParaRPr lang="en-US"/>
-          </a:p>
-        </p:txBody>
-      </p:sp>
-    </p:spTree>
-    <p:extLst>
-      <p:ext uri="{BB962C8B-B14F-4D97-AF65-F5344CB8AC3E}">
-        <p14:creationId xmlns:p14="http://schemas.microsoft.com/office/powerpoint/2010/main" val="337918606"/>
       </p:ext>
     </p:extLst>
   </p:cSld>
@@ -19036,8 +20497,17 @@
           <a:p>
             <a:r>
               <a:rPr lang="en-US" dirty="0"/>
-              <a:t>Proof of work</a:t>
-            </a:r>
+              <a:t>Proof of </a:t>
+            </a:r>
+            <a:r>
+              <a:rPr lang="en-US" dirty="0" smtClean="0"/>
+              <a:t>work (Proo</a:t>
+            </a:r>
+            <a:r>
+              <a:rPr lang="en-US" dirty="0" smtClean="0"/>
+              <a:t>f of stake)</a:t>
+            </a:r>
+            <a:endParaRPr lang="en-US" dirty="0"/>
           </a:p>
           <a:p>
             <a:r>
